--- a/0/0.pptx
+++ b/0/0.pptx
@@ -10,11 +10,16 @@
     <p:sldId id="312" r:id="rId4"/>
     <p:sldId id="313" r:id="rId5"/>
     <p:sldId id="314" r:id="rId6"/>
-    <p:sldId id="264" r:id="rId7"/>
-    <p:sldId id="315" r:id="rId8"/>
-    <p:sldId id="316" r:id="rId9"/>
-    <p:sldId id="317" r:id="rId10"/>
-    <p:sldId id="318" r:id="rId11"/>
+    <p:sldId id="269" r:id="rId7"/>
+    <p:sldId id="264" r:id="rId8"/>
+    <p:sldId id="315" r:id="rId9"/>
+    <p:sldId id="316" r:id="rId10"/>
+    <p:sldId id="317" r:id="rId11"/>
+    <p:sldId id="318" r:id="rId12"/>
+    <p:sldId id="265" r:id="rId13"/>
+    <p:sldId id="266" r:id="rId14"/>
+    <p:sldId id="267" r:id="rId15"/>
+    <p:sldId id="268" r:id="rId16"/>
   </p:sldIdLst>
   <p:sldSz cx="12192000" cy="6858000"/>
   <p:notesSz cx="6858000" cy="9144000"/>
@@ -637,7 +642,7 @@
           <a:p>
             <a:fld id="{530820CF-B880-4189-942D-D702A7CBA730}" type="datetimeFigureOut">
               <a:rPr lang="zh-CN" altLang="en-US" smtClean="0"/>
-              <a:t>2021/7/9</a:t>
+              <a:t>2021/7/11</a:t>
             </a:fld>
             <a:endParaRPr lang="zh-CN" altLang="en-US"/>
           </a:p>
@@ -1036,7 +1041,7 @@
           <a:p>
             <a:fld id="{530820CF-B880-4189-942D-D702A7CBA730}" type="datetimeFigureOut">
               <a:rPr lang="zh-CN" altLang="en-US" smtClean="0"/>
-              <a:t>2021/7/9</a:t>
+              <a:t>2021/7/11</a:t>
             </a:fld>
             <a:endParaRPr lang="zh-CN" altLang="en-US"/>
           </a:p>
@@ -1296,7 +1301,7 @@
           <a:p>
             <a:fld id="{530820CF-B880-4189-942D-D702A7CBA730}" type="datetimeFigureOut">
               <a:rPr lang="zh-CN" altLang="en-US" smtClean="0"/>
-              <a:t>2021/7/9</a:t>
+              <a:t>2021/7/11</a:t>
             </a:fld>
             <a:endParaRPr lang="zh-CN" altLang="en-US"/>
           </a:p>
@@ -1848,7 +1853,7 @@
           <a:p>
             <a:fld id="{530820CF-B880-4189-942D-D702A7CBA730}" type="datetimeFigureOut">
               <a:rPr lang="zh-CN" altLang="en-US" smtClean="0"/>
-              <a:t>2021/7/9</a:t>
+              <a:t>2021/7/11</a:t>
             </a:fld>
             <a:endParaRPr lang="zh-CN" altLang="en-US"/>
           </a:p>
@@ -2108,7 +2113,7 @@
           <a:p>
             <a:fld id="{530820CF-B880-4189-942D-D702A7CBA730}" type="datetimeFigureOut">
               <a:rPr lang="zh-CN" altLang="en-US" smtClean="0"/>
-              <a:t>2021/7/9</a:t>
+              <a:t>2021/7/11</a:t>
             </a:fld>
             <a:endParaRPr lang="zh-CN" altLang="en-US"/>
           </a:p>
@@ -2652,7 +2657,7 @@
           <a:p>
             <a:fld id="{530820CF-B880-4189-942D-D702A7CBA730}" type="datetimeFigureOut">
               <a:rPr lang="zh-CN" altLang="en-US" smtClean="0"/>
-              <a:t>2021/7/9</a:t>
+              <a:t>2021/7/11</a:t>
             </a:fld>
             <a:endParaRPr lang="zh-CN" altLang="en-US"/>
           </a:p>
@@ -2961,7 +2966,7 @@
           <a:p>
             <a:fld id="{530820CF-B880-4189-942D-D702A7CBA730}" type="datetimeFigureOut">
               <a:rPr lang="zh-CN" altLang="en-US" smtClean="0"/>
-              <a:t>2021/7/9</a:t>
+              <a:t>2021/7/11</a:t>
             </a:fld>
             <a:endParaRPr lang="zh-CN" altLang="en-US"/>
           </a:p>
@@ -3147,7 +3152,7 @@
           <a:p>
             <a:fld id="{530820CF-B880-4189-942D-D702A7CBA730}" type="datetimeFigureOut">
               <a:rPr lang="zh-CN" altLang="en-US" smtClean="0"/>
-              <a:t>2021/7/9</a:t>
+              <a:t>2021/7/11</a:t>
             </a:fld>
             <a:endParaRPr lang="zh-CN" altLang="en-US"/>
           </a:p>
@@ -3339,7 +3344,7 @@
           <a:p>
             <a:fld id="{530820CF-B880-4189-942D-D702A7CBA730}" type="datetimeFigureOut">
               <a:rPr lang="zh-CN" altLang="en-US" smtClean="0"/>
-              <a:t>2021/7/9</a:t>
+              <a:t>2021/7/11</a:t>
             </a:fld>
             <a:endParaRPr lang="zh-CN" altLang="en-US"/>
           </a:p>
@@ -3536,7 +3541,7 @@
           <a:p>
             <a:fld id="{530820CF-B880-4189-942D-D702A7CBA730}" type="datetimeFigureOut">
               <a:rPr lang="zh-CN" altLang="en-US" smtClean="0"/>
-              <a:t>2021/7/9</a:t>
+              <a:t>2021/7/11</a:t>
             </a:fld>
             <a:endParaRPr lang="zh-CN" altLang="en-US"/>
           </a:p>
@@ -3804,7 +3809,7 @@
           <a:p>
             <a:fld id="{530820CF-B880-4189-942D-D702A7CBA730}" type="datetimeFigureOut">
               <a:rPr lang="zh-CN" altLang="en-US" smtClean="0"/>
-              <a:t>2021/7/9</a:t>
+              <a:t>2021/7/11</a:t>
             </a:fld>
             <a:endParaRPr lang="zh-CN" altLang="en-US"/>
           </a:p>
@@ -4118,7 +4123,7 @@
           <a:p>
             <a:fld id="{530820CF-B880-4189-942D-D702A7CBA730}" type="datetimeFigureOut">
               <a:rPr lang="zh-CN" altLang="en-US" smtClean="0"/>
-              <a:t>2021/7/9</a:t>
+              <a:t>2021/7/11</a:t>
             </a:fld>
             <a:endParaRPr lang="zh-CN" altLang="en-US"/>
           </a:p>
@@ -4572,7 +4577,7 @@
           <a:p>
             <a:fld id="{530820CF-B880-4189-942D-D702A7CBA730}" type="datetimeFigureOut">
               <a:rPr lang="zh-CN" altLang="en-US" smtClean="0"/>
-              <a:t>2021/7/9</a:t>
+              <a:t>2021/7/11</a:t>
             </a:fld>
             <a:endParaRPr lang="zh-CN" altLang="en-US"/>
           </a:p>
@@ -4702,7 +4707,7 @@
           <a:p>
             <a:fld id="{530820CF-B880-4189-942D-D702A7CBA730}" type="datetimeFigureOut">
               <a:rPr lang="zh-CN" altLang="en-US" smtClean="0"/>
-              <a:t>2021/7/9</a:t>
+              <a:t>2021/7/11</a:t>
             </a:fld>
             <a:endParaRPr lang="zh-CN" altLang="en-US"/>
           </a:p>
@@ -4809,7 +4814,7 @@
           <a:p>
             <a:fld id="{530820CF-B880-4189-942D-D702A7CBA730}" type="datetimeFigureOut">
               <a:rPr lang="zh-CN" altLang="en-US" smtClean="0"/>
-              <a:t>2021/7/9</a:t>
+              <a:t>2021/7/11</a:t>
             </a:fld>
             <a:endParaRPr lang="zh-CN" altLang="en-US"/>
           </a:p>
@@ -5104,7 +5109,7 @@
           <a:p>
             <a:fld id="{530820CF-B880-4189-942D-D702A7CBA730}" type="datetimeFigureOut">
               <a:rPr lang="zh-CN" altLang="en-US" smtClean="0"/>
-              <a:t>2021/7/9</a:t>
+              <a:t>2021/7/11</a:t>
             </a:fld>
             <a:endParaRPr lang="zh-CN" altLang="en-US"/>
           </a:p>
@@ -5407,7 +5412,7 @@
           <a:p>
             <a:fld id="{530820CF-B880-4189-942D-D702A7CBA730}" type="datetimeFigureOut">
               <a:rPr lang="zh-CN" altLang="en-US" smtClean="0"/>
-              <a:t>2021/7/9</a:t>
+              <a:t>2021/7/11</a:t>
             </a:fld>
             <a:endParaRPr lang="zh-CN" altLang="en-US"/>
           </a:p>
@@ -5943,7 +5948,7 @@
           <a:p>
             <a:fld id="{530820CF-B880-4189-942D-D702A7CBA730}" type="datetimeFigureOut">
               <a:rPr lang="zh-CN" altLang="en-US" smtClean="0"/>
-              <a:t>2021/7/9</a:t>
+              <a:t>2021/7/11</a:t>
             </a:fld>
             <a:endParaRPr lang="zh-CN" altLang="en-US"/>
           </a:p>
@@ -6619,6 +6624,274 @@
           <p:cNvPr id="2" name="标题 1">
             <a:extLst>
               <a:ext uri="{FF2B5EF4-FFF2-40B4-BE49-F238E27FC236}">
+                <a16:creationId xmlns:a16="http://schemas.microsoft.com/office/drawing/2014/main" id="{C35C657F-1982-4825-8FF8-E3AA7E031B76}"/>
+              </a:ext>
+            </a:extLst>
+          </p:cNvPr>
+          <p:cNvSpPr>
+            <a:spLocks noGrp="1"/>
+          </p:cNvSpPr>
+          <p:nvPr>
+            <p:ph type="title"/>
+          </p:nvPr>
+        </p:nvSpPr>
+        <p:spPr/>
+        <p:txBody>
+          <a:bodyPr/>
+          <a:lstStyle/>
+          <a:p>
+            <a:r>
+              <a:rPr lang="en-US" altLang="zh-CN" dirty="0"/>
+              <a:t>ESP8266 Arduino</a:t>
+            </a:r>
+            <a:r>
+              <a:rPr lang="zh-CN" altLang="en-US" dirty="0"/>
+              <a:t>环境配置</a:t>
+            </a:r>
+          </a:p>
+        </p:txBody>
+      </p:sp>
+      <p:sp>
+        <p:nvSpPr>
+          <p:cNvPr id="3" name="内容占位符 2">
+            <a:extLst>
+              <a:ext uri="{FF2B5EF4-FFF2-40B4-BE49-F238E27FC236}">
+                <a16:creationId xmlns:a16="http://schemas.microsoft.com/office/drawing/2014/main" id="{A23F539B-0D73-460A-AB9A-D998E1646E3C}"/>
+              </a:ext>
+            </a:extLst>
+          </p:cNvPr>
+          <p:cNvSpPr>
+            <a:spLocks noGrp="1"/>
+          </p:cNvSpPr>
+          <p:nvPr>
+            <p:ph idx="1"/>
+          </p:nvPr>
+        </p:nvSpPr>
+        <p:spPr/>
+        <p:txBody>
+          <a:bodyPr/>
+          <a:lstStyle/>
+          <a:p>
+            <a:pPr marL="457200" indent="-457200">
+              <a:buFont typeface="+mj-lt"/>
+              <a:buAutoNum type="arabicPeriod"/>
+            </a:pPr>
+            <a:r>
+              <a:rPr lang="zh-CN" altLang="en-US" dirty="0"/>
+              <a:t>打开</a:t>
+            </a:r>
+            <a:r>
+              <a:rPr lang="en-US" altLang="zh-CN" dirty="0"/>
+              <a:t>Arduino IDE</a:t>
+            </a:r>
+            <a:r>
+              <a:rPr lang="zh-CN" altLang="en-US" dirty="0"/>
+              <a:t>，找到“文件</a:t>
+            </a:r>
+            <a:r>
+              <a:rPr lang="en-US" altLang="zh-CN" dirty="0"/>
+              <a:t>-&gt;</a:t>
+            </a:r>
+            <a:r>
+              <a:rPr lang="zh-CN" altLang="en-US" dirty="0"/>
+              <a:t>首选项</a:t>
+            </a:r>
+            <a:r>
+              <a:rPr lang="en-US" altLang="zh-CN" dirty="0"/>
+              <a:t>-&gt;</a:t>
+            </a:r>
+            <a:r>
+              <a:rPr lang="zh-CN" altLang="en-US" dirty="0"/>
+              <a:t>附加开发板管理器网址”。</a:t>
+            </a:r>
+            <a:endParaRPr lang="en-US" altLang="zh-CN" dirty="0"/>
+          </a:p>
+          <a:p>
+            <a:pPr marL="457200" indent="-457200">
+              <a:buFont typeface="+mj-lt"/>
+              <a:buAutoNum type="arabicPeriod"/>
+            </a:pPr>
+            <a:r>
+              <a:rPr lang="zh-CN" altLang="en-US" dirty="0"/>
+              <a:t>增加</a:t>
+            </a:r>
+            <a:r>
+              <a:rPr lang="en-US" altLang="zh-CN" dirty="0"/>
+              <a:t>ESP8266</a:t>
+            </a:r>
+            <a:r>
+              <a:rPr lang="zh-CN" altLang="en-US" dirty="0"/>
+              <a:t>的网址：</a:t>
+            </a:r>
+            <a:r>
+              <a:rPr lang="en-US" altLang="zh-CN" dirty="0"/>
+              <a:t> </a:t>
+            </a:r>
+            <a:r>
+              <a:rPr lang="en-US" altLang="zh-CN" dirty="0">
+                <a:hlinkClick r:id="rId2"/>
+              </a:rPr>
+              <a:t>https://arduino.esp8266.com/stable/package_esp8266com_index.json</a:t>
+            </a:r>
+            <a:endParaRPr lang="en-US" altLang="zh-CN" dirty="0"/>
+          </a:p>
+          <a:p>
+            <a:pPr marL="457200" indent="-457200">
+              <a:buFont typeface="+mj-lt"/>
+              <a:buAutoNum type="arabicPeriod"/>
+            </a:pPr>
+            <a:r>
+              <a:rPr lang="zh-CN" altLang="en-US" dirty="0"/>
+              <a:t>找到“工具</a:t>
+            </a:r>
+            <a:r>
+              <a:rPr lang="en-US" altLang="zh-CN" dirty="0"/>
+              <a:t>-&gt;</a:t>
+            </a:r>
+            <a:r>
+              <a:rPr lang="zh-CN" altLang="en-US" dirty="0"/>
+              <a:t>开发板</a:t>
+            </a:r>
+            <a:r>
+              <a:rPr lang="en-US" altLang="zh-CN" dirty="0"/>
+              <a:t>-&gt;</a:t>
+            </a:r>
+            <a:r>
+              <a:rPr lang="zh-CN" altLang="en-US" dirty="0"/>
+              <a:t>开发板管理器”，搜索</a:t>
+            </a:r>
+            <a:r>
+              <a:rPr lang="en-US" altLang="zh-CN" dirty="0"/>
+              <a:t>esp8266</a:t>
+            </a:r>
+            <a:r>
+              <a:rPr lang="zh-CN" altLang="en-US" dirty="0"/>
+              <a:t>并安装。</a:t>
+            </a:r>
+            <a:endParaRPr lang="en-US" altLang="zh-CN" dirty="0"/>
+          </a:p>
+          <a:p>
+            <a:pPr marL="457200" indent="-457200">
+              <a:buFont typeface="+mj-lt"/>
+              <a:buAutoNum type="arabicPeriod"/>
+            </a:pPr>
+            <a:r>
+              <a:rPr lang="zh-CN" altLang="en-US" dirty="0"/>
+              <a:t>在“工具</a:t>
+            </a:r>
+            <a:r>
+              <a:rPr lang="en-US" altLang="zh-CN" dirty="0"/>
+              <a:t>-&gt;</a:t>
+            </a:r>
+            <a:r>
+              <a:rPr lang="zh-CN" altLang="en-US" dirty="0"/>
+              <a:t>开发板”，我们可以看到刚刚安装的“</a:t>
+            </a:r>
+            <a:r>
+              <a:rPr lang="en-US" altLang="zh-CN" dirty="0"/>
+              <a:t>esp8266 boards</a:t>
+            </a:r>
+            <a:r>
+              <a:rPr lang="zh-CN" altLang="en-US" dirty="0"/>
+              <a:t>”。</a:t>
+            </a:r>
+            <a:endParaRPr lang="en-US" altLang="zh-CN" dirty="0"/>
+          </a:p>
+          <a:p>
+            <a:pPr marL="457200" indent="-457200">
+              <a:buFont typeface="+mj-lt"/>
+              <a:buAutoNum type="arabicPeriod"/>
+            </a:pPr>
+            <a:r>
+              <a:rPr lang="zh-CN" altLang="en-US" dirty="0"/>
+              <a:t>开发</a:t>
+            </a:r>
+            <a:r>
+              <a:rPr lang="en-US" altLang="zh-CN" dirty="0"/>
+              <a:t>ESP8266</a:t>
+            </a:r>
+            <a:r>
+              <a:rPr lang="zh-CN" altLang="en-US" dirty="0"/>
+              <a:t>，选择“</a:t>
+            </a:r>
+            <a:r>
+              <a:rPr lang="en-US" altLang="zh-CN" dirty="0"/>
+              <a:t>Generic ESP8266 Module</a:t>
+            </a:r>
+            <a:r>
+              <a:rPr lang="zh-CN" altLang="en-US" dirty="0"/>
+              <a:t>”。开发</a:t>
+            </a:r>
+            <a:r>
+              <a:rPr lang="en-US" altLang="zh-CN" dirty="0" err="1"/>
+              <a:t>NodeMCU</a:t>
+            </a:r>
+            <a:r>
+              <a:rPr lang="zh-CN" altLang="en-US" dirty="0"/>
+              <a:t>，选择“</a:t>
+            </a:r>
+            <a:r>
+              <a:rPr lang="en-US" altLang="zh-CN" dirty="0" err="1"/>
+              <a:t>NodeMCU</a:t>
+            </a:r>
+            <a:r>
+              <a:rPr lang="en-US" altLang="zh-CN" dirty="0"/>
+              <a:t> 1.0 (ESP-12E Module)</a:t>
+            </a:r>
+            <a:r>
+              <a:rPr lang="zh-CN" altLang="en-US" dirty="0"/>
+              <a:t>”。</a:t>
+            </a:r>
+          </a:p>
+        </p:txBody>
+      </p:sp>
+    </p:spTree>
+    <p:extLst>
+      <p:ext uri="{BB962C8B-B14F-4D97-AF65-F5344CB8AC3E}">
+        <p14:creationId xmlns:p14="http://schemas.microsoft.com/office/powerpoint/2010/main" val="2766987075"/>
+      </p:ext>
+    </p:extLst>
+  </p:cSld>
+  <p:clrMapOvr>
+    <a:masterClrMapping/>
+  </p:clrMapOvr>
+  <mc:AlternateContent xmlns:mc="http://schemas.openxmlformats.org/markup-compatibility/2006" xmlns:p14="http://schemas.microsoft.com/office/powerpoint/2010/main">
+    <mc:Choice Requires="p14">
+      <p:transition spd="slow" p14:dur="1250">
+        <p:push dir="u"/>
+      </p:transition>
+    </mc:Choice>
+    <mc:Fallback xmlns="">
+      <p:transition spd="slow">
+        <p:push dir="u"/>
+      </p:transition>
+    </mc:Fallback>
+  </mc:AlternateContent>
+</p:sld>
+</file>
+
+<file path=ppt/slides/slide11.xml><?xml version="1.0" encoding="utf-8"?>
+<p:sld xmlns:a="http://schemas.openxmlformats.org/drawingml/2006/main" xmlns:r="http://schemas.openxmlformats.org/officeDocument/2006/relationships" xmlns:p="http://schemas.openxmlformats.org/presentationml/2006/main">
+  <p:cSld>
+    <p:spTree>
+      <p:nvGrpSpPr>
+        <p:cNvPr id="1" name=""/>
+        <p:cNvGrpSpPr/>
+        <p:nvPr/>
+      </p:nvGrpSpPr>
+      <p:grpSpPr>
+        <a:xfrm>
+          <a:off x="0" y="0"/>
+          <a:ext cx="0" cy="0"/>
+          <a:chOff x="0" y="0"/>
+          <a:chExt cx="0" cy="0"/>
+        </a:xfrm>
+      </p:grpSpPr>
+      <p:sp>
+        <p:nvSpPr>
+          <p:cNvPr id="2" name="标题 1">
+            <a:extLst>
+              <a:ext uri="{FF2B5EF4-FFF2-40B4-BE49-F238E27FC236}">
                 <a16:creationId xmlns:a16="http://schemas.microsoft.com/office/drawing/2014/main" id="{18021F1C-9000-41A0-B727-BCD2FBF8660D}"/>
               </a:ext>
             </a:extLst>
@@ -6679,6 +6952,842 @@
     <p:extLst>
       <p:ext uri="{BB962C8B-B14F-4D97-AF65-F5344CB8AC3E}">
         <p14:creationId xmlns:p14="http://schemas.microsoft.com/office/powerpoint/2010/main" val="610379643"/>
+      </p:ext>
+    </p:extLst>
+  </p:cSld>
+  <p:clrMapOvr>
+    <a:masterClrMapping/>
+  </p:clrMapOvr>
+  <mc:AlternateContent xmlns:mc="http://schemas.openxmlformats.org/markup-compatibility/2006" xmlns:p14="http://schemas.microsoft.com/office/powerpoint/2010/main">
+    <mc:Choice Requires="p14">
+      <p:transition spd="slow" p14:dur="1250">
+        <p:push dir="u"/>
+      </p:transition>
+    </mc:Choice>
+    <mc:Fallback xmlns="">
+      <p:transition spd="slow">
+        <p:push dir="u"/>
+      </p:transition>
+    </mc:Fallback>
+  </mc:AlternateContent>
+</p:sld>
+</file>
+
+<file path=ppt/slides/slide12.xml><?xml version="1.0" encoding="utf-8"?>
+<p:sld xmlns:a="http://schemas.openxmlformats.org/drawingml/2006/main" xmlns:r="http://schemas.openxmlformats.org/officeDocument/2006/relationships" xmlns:p="http://schemas.openxmlformats.org/presentationml/2006/main">
+  <p:cSld>
+    <p:spTree>
+      <p:nvGrpSpPr>
+        <p:cNvPr id="1" name=""/>
+        <p:cNvGrpSpPr/>
+        <p:nvPr/>
+      </p:nvGrpSpPr>
+      <p:grpSpPr>
+        <a:xfrm>
+          <a:off x="0" y="0"/>
+          <a:ext cx="0" cy="0"/>
+          <a:chOff x="0" y="0"/>
+          <a:chExt cx="0" cy="0"/>
+        </a:xfrm>
+      </p:grpSpPr>
+      <p:sp>
+        <p:nvSpPr>
+          <p:cNvPr id="2" name="标题 1">
+            <a:extLst>
+              <a:ext uri="{FF2B5EF4-FFF2-40B4-BE49-F238E27FC236}">
+                <a16:creationId xmlns:a16="http://schemas.microsoft.com/office/drawing/2014/main" id="{D46F3A32-F3B6-483B-B8CE-D63D01E3074B}"/>
+              </a:ext>
+            </a:extLst>
+          </p:cNvPr>
+          <p:cNvSpPr>
+            <a:spLocks noGrp="1"/>
+          </p:cNvSpPr>
+          <p:nvPr>
+            <p:ph type="title"/>
+          </p:nvPr>
+        </p:nvSpPr>
+        <p:spPr/>
+        <p:txBody>
+          <a:bodyPr/>
+          <a:lstStyle/>
+          <a:p>
+            <a:pPr algn="ctr"/>
+            <a:r>
+              <a:rPr lang="en-US" altLang="zh-CN" dirty="0"/>
+              <a:t>ESP8266 Arduino</a:t>
+            </a:r>
+            <a:r>
+              <a:rPr lang="zh-CN" altLang="en-US" dirty="0"/>
+              <a:t>环境配置其它方法</a:t>
+            </a:r>
+          </a:p>
+        </p:txBody>
+      </p:sp>
+      <p:sp>
+        <p:nvSpPr>
+          <p:cNvPr id="3" name="内容占位符 2">
+            <a:extLst>
+              <a:ext uri="{FF2B5EF4-FFF2-40B4-BE49-F238E27FC236}">
+                <a16:creationId xmlns:a16="http://schemas.microsoft.com/office/drawing/2014/main" id="{C3A8BB3B-64A1-47DD-9301-4CEFA9905B58}"/>
+              </a:ext>
+            </a:extLst>
+          </p:cNvPr>
+          <p:cNvSpPr>
+            <a:spLocks noGrp="1"/>
+          </p:cNvSpPr>
+          <p:nvPr>
+            <p:ph idx="1"/>
+          </p:nvPr>
+        </p:nvSpPr>
+        <p:spPr/>
+        <p:txBody>
+          <a:bodyPr>
+            <a:normAutofit fontScale="92500" lnSpcReduction="10000"/>
+          </a:bodyPr>
+          <a:lstStyle/>
+          <a:p>
+            <a:r>
+              <a:rPr lang="zh-CN" altLang="en-US" dirty="0"/>
+              <a:t>需要准备软件</a:t>
+            </a:r>
+            <a:endParaRPr lang="en-US" altLang="zh-CN" dirty="0"/>
+          </a:p>
+          <a:p>
+            <a:pPr marL="914400" lvl="1" indent="-457200">
+              <a:buFont typeface="+mj-lt"/>
+              <a:buAutoNum type="arabicPeriod"/>
+            </a:pPr>
+            <a:r>
+              <a:rPr lang="en-US" altLang="zh-CN" dirty="0"/>
+              <a:t>Python 2.7</a:t>
+            </a:r>
+            <a:r>
+              <a:rPr lang="zh-CN" altLang="en-US" dirty="0"/>
+              <a:t>（</a:t>
+            </a:r>
+            <a:r>
+              <a:rPr lang="en-US" altLang="zh-CN" dirty="0">
+                <a:hlinkClick r:id="rId2"/>
+              </a:rPr>
+              <a:t>https://www.python.org/downloads/release/python-2716/</a:t>
+            </a:r>
+            <a:r>
+              <a:rPr lang="zh-CN" altLang="en-US" dirty="0"/>
+              <a:t>）</a:t>
+            </a:r>
+            <a:endParaRPr lang="en-US" altLang="zh-CN" dirty="0"/>
+          </a:p>
+          <a:p>
+            <a:pPr marL="914400" lvl="1" indent="-457200">
+              <a:buFont typeface="+mj-lt"/>
+              <a:buAutoNum type="arabicPeriod"/>
+            </a:pPr>
+            <a:r>
+              <a:rPr lang="en-US" altLang="zh-CN" dirty="0"/>
+              <a:t>Git</a:t>
+            </a:r>
+            <a:r>
+              <a:rPr lang="zh-CN" altLang="en-US" dirty="0"/>
+              <a:t>工具（</a:t>
+            </a:r>
+            <a:r>
+              <a:rPr lang="en-US" altLang="zh-CN" dirty="0">
+                <a:hlinkClick r:id="rId3"/>
+              </a:rPr>
+              <a:t>https://gitforwindows.org/</a:t>
+            </a:r>
+            <a:r>
+              <a:rPr lang="zh-CN" altLang="en-US" dirty="0"/>
+              <a:t>）</a:t>
+            </a:r>
+            <a:endParaRPr lang="en-US" altLang="zh-CN" dirty="0"/>
+          </a:p>
+          <a:p>
+            <a:pPr marL="457200" lvl="1" indent="0">
+              <a:buNone/>
+            </a:pPr>
+            <a:endParaRPr lang="en-US" altLang="zh-CN" dirty="0"/>
+          </a:p>
+          <a:p>
+            <a:pPr marL="457200" lvl="1" indent="0">
+              <a:buNone/>
+            </a:pPr>
+            <a:endParaRPr lang="en-US" altLang="zh-CN" dirty="0"/>
+          </a:p>
+          <a:p>
+            <a:r>
+              <a:rPr lang="zh-CN" altLang="en-US" dirty="0"/>
+              <a:t>环境搭建（过程需要联网）</a:t>
+            </a:r>
+            <a:endParaRPr lang="en-US" altLang="zh-CN" dirty="0"/>
+          </a:p>
+          <a:p>
+            <a:pPr marL="914400" lvl="1" indent="-457200">
+              <a:buFont typeface="+mj-lt"/>
+              <a:buAutoNum type="arabicPeriod"/>
+            </a:pPr>
+            <a:r>
+              <a:rPr lang="zh-CN" altLang="en-US" dirty="0"/>
+              <a:t>打开</a:t>
+            </a:r>
+            <a:r>
+              <a:rPr lang="en-US" altLang="zh-CN" dirty="0" err="1"/>
+              <a:t>arduino</a:t>
+            </a:r>
+            <a:r>
+              <a:rPr lang="zh-CN" altLang="en-US" dirty="0"/>
+              <a:t>（这个是</a:t>
+            </a:r>
+            <a:r>
+              <a:rPr lang="en-US" altLang="zh-CN" dirty="0"/>
+              <a:t>nightly</a:t>
+            </a:r>
+            <a:r>
+              <a:rPr lang="zh-CN" altLang="en-US" dirty="0"/>
+              <a:t>版本）安装位置</a:t>
+            </a:r>
+            <a:endParaRPr lang="en-US" altLang="zh-CN" dirty="0"/>
+          </a:p>
+          <a:p>
+            <a:pPr marL="914400" lvl="1" indent="-457200">
+              <a:buFont typeface="+mj-lt"/>
+              <a:buAutoNum type="arabicPeriod"/>
+            </a:pPr>
+            <a:r>
+              <a:rPr lang="zh-CN" altLang="en-US" dirty="0"/>
+              <a:t>鼠标右键 </a:t>
+            </a:r>
+            <a:r>
+              <a:rPr lang="en-US" altLang="zh-CN" dirty="0"/>
+              <a:t>“Git Bash Here”</a:t>
+            </a:r>
+          </a:p>
+        </p:txBody>
+      </p:sp>
+      <p:pic>
+        <p:nvPicPr>
+          <p:cNvPr id="4" name="图片 3">
+            <a:extLst>
+              <a:ext uri="{FF2B5EF4-FFF2-40B4-BE49-F238E27FC236}">
+                <a16:creationId xmlns:a16="http://schemas.microsoft.com/office/drawing/2014/main" id="{1086F455-8A33-4B77-8E00-463C31D3C910}"/>
+              </a:ext>
+            </a:extLst>
+          </p:cNvPr>
+          <p:cNvPicPr>
+            <a:picLocks noChangeAspect="1"/>
+          </p:cNvPicPr>
+          <p:nvPr/>
+        </p:nvPicPr>
+        <p:blipFill>
+          <a:blip r:embed="rId4"/>
+          <a:stretch>
+            <a:fillRect/>
+          </a:stretch>
+        </p:blipFill>
+        <p:spPr>
+          <a:xfrm>
+            <a:off x="7089742" y="3610465"/>
+            <a:ext cx="4763678" cy="2960017"/>
+          </a:xfrm>
+          <a:prstGeom prst="rect">
+            <a:avLst/>
+          </a:prstGeom>
+        </p:spPr>
+      </p:pic>
+    </p:spTree>
+    <p:extLst>
+      <p:ext uri="{BB962C8B-B14F-4D97-AF65-F5344CB8AC3E}">
+        <p14:creationId xmlns:p14="http://schemas.microsoft.com/office/powerpoint/2010/main" val="842861535"/>
+      </p:ext>
+    </p:extLst>
+  </p:cSld>
+  <p:clrMapOvr>
+    <a:masterClrMapping/>
+  </p:clrMapOvr>
+  <mc:AlternateContent xmlns:mc="http://schemas.openxmlformats.org/markup-compatibility/2006" xmlns:p14="http://schemas.microsoft.com/office/powerpoint/2010/main">
+    <mc:Choice Requires="p14">
+      <p:transition spd="slow" p14:dur="1250">
+        <p:push dir="u"/>
+      </p:transition>
+    </mc:Choice>
+    <mc:Fallback xmlns="">
+      <p:transition spd="slow">
+        <p:push dir="u"/>
+      </p:transition>
+    </mc:Fallback>
+  </mc:AlternateContent>
+</p:sld>
+</file>
+
+<file path=ppt/slides/slide13.xml><?xml version="1.0" encoding="utf-8"?>
+<p:sld xmlns:a="http://schemas.openxmlformats.org/drawingml/2006/main" xmlns:r="http://schemas.openxmlformats.org/officeDocument/2006/relationships" xmlns:p="http://schemas.openxmlformats.org/presentationml/2006/main">
+  <p:cSld>
+    <p:spTree>
+      <p:nvGrpSpPr>
+        <p:cNvPr id="1" name=""/>
+        <p:cNvGrpSpPr/>
+        <p:nvPr/>
+      </p:nvGrpSpPr>
+      <p:grpSpPr>
+        <a:xfrm>
+          <a:off x="0" y="0"/>
+          <a:ext cx="0" cy="0"/>
+          <a:chOff x="0" y="0"/>
+          <a:chExt cx="0" cy="0"/>
+        </a:xfrm>
+      </p:grpSpPr>
+      <p:sp>
+        <p:nvSpPr>
+          <p:cNvPr id="2" name="标题 1">
+            <a:extLst>
+              <a:ext uri="{FF2B5EF4-FFF2-40B4-BE49-F238E27FC236}">
+                <a16:creationId xmlns:a16="http://schemas.microsoft.com/office/drawing/2014/main" id="{450B5E36-6902-48C3-A91D-84849E58F2CB}"/>
+              </a:ext>
+            </a:extLst>
+          </p:cNvPr>
+          <p:cNvSpPr>
+            <a:spLocks noGrp="1"/>
+          </p:cNvSpPr>
+          <p:nvPr>
+            <p:ph type="title"/>
+          </p:nvPr>
+        </p:nvSpPr>
+        <p:spPr/>
+        <p:txBody>
+          <a:bodyPr/>
+          <a:lstStyle/>
+          <a:p>
+            <a:pPr algn="ctr"/>
+            <a:r>
+              <a:rPr lang="zh-CN" altLang="en-US" dirty="0"/>
+              <a:t>环境搭建（续）</a:t>
+            </a:r>
+          </a:p>
+        </p:txBody>
+      </p:sp>
+      <p:sp>
+        <p:nvSpPr>
+          <p:cNvPr id="3" name="内容占位符 2">
+            <a:extLst>
+              <a:ext uri="{FF2B5EF4-FFF2-40B4-BE49-F238E27FC236}">
+                <a16:creationId xmlns:a16="http://schemas.microsoft.com/office/drawing/2014/main" id="{4F68FC5A-704B-4296-9761-D9BF20CD0DE9}"/>
+              </a:ext>
+            </a:extLst>
+          </p:cNvPr>
+          <p:cNvSpPr>
+            <a:spLocks noGrp="1"/>
+          </p:cNvSpPr>
+          <p:nvPr>
+            <p:ph idx="1"/>
+          </p:nvPr>
+        </p:nvSpPr>
+        <p:spPr/>
+        <p:txBody>
+          <a:bodyPr/>
+          <a:lstStyle/>
+          <a:p>
+            <a:pPr marL="514350" indent="-514350">
+              <a:buFont typeface="+mj-lt"/>
+              <a:buAutoNum type="arabicPeriod" startAt="3"/>
+            </a:pPr>
+            <a:r>
+              <a:rPr lang="zh-CN" altLang="en-US" dirty="0"/>
+              <a:t>在</a:t>
+            </a:r>
+            <a:r>
+              <a:rPr lang="en-US" altLang="zh-CN" dirty="0"/>
+              <a:t>hardware</a:t>
+            </a:r>
+            <a:r>
+              <a:rPr lang="zh-CN" altLang="en-US" dirty="0"/>
+              <a:t>文件夹下面创建</a:t>
+            </a:r>
+            <a:r>
+              <a:rPr lang="en-US" altLang="zh-CN" dirty="0"/>
+              <a:t>esp8266com</a:t>
+            </a:r>
+            <a:r>
+              <a:rPr lang="zh-CN" altLang="en-US" dirty="0"/>
+              <a:t>文件夹</a:t>
+            </a:r>
+            <a:endParaRPr lang="en-US" altLang="zh-CN" dirty="0"/>
+          </a:p>
+          <a:p>
+            <a:pPr marL="514350" indent="-514350">
+              <a:buFont typeface="+mj-lt"/>
+              <a:buAutoNum type="arabicPeriod" startAt="3"/>
+            </a:pPr>
+            <a:endParaRPr lang="en-US" altLang="zh-CN" dirty="0"/>
+          </a:p>
+          <a:p>
+            <a:pPr marL="514350" indent="-514350">
+              <a:buFont typeface="+mj-lt"/>
+              <a:buAutoNum type="arabicPeriod" startAt="3"/>
+            </a:pPr>
+            <a:endParaRPr lang="en-US" altLang="zh-CN" dirty="0"/>
+          </a:p>
+          <a:p>
+            <a:pPr marL="0" indent="0">
+              <a:buNone/>
+            </a:pPr>
+            <a:endParaRPr lang="en-US" altLang="zh-CN" dirty="0"/>
+          </a:p>
+          <a:p>
+            <a:pPr marL="514350" indent="-514350">
+              <a:buFont typeface="+mj-lt"/>
+              <a:buAutoNum type="arabicPeriod" startAt="4"/>
+            </a:pPr>
+            <a:r>
+              <a:rPr lang="zh-CN" altLang="en-US" dirty="0"/>
+              <a:t>进入</a:t>
+            </a:r>
+            <a:r>
+              <a:rPr lang="en-US" altLang="zh-CN" dirty="0"/>
+              <a:t>esp8266com</a:t>
+            </a:r>
+            <a:r>
+              <a:rPr lang="zh-CN" altLang="en-US" dirty="0"/>
+              <a:t>目录执行</a:t>
+            </a:r>
+            <a:r>
+              <a:rPr lang="en-US" altLang="zh-CN" dirty="0"/>
+              <a:t>git</a:t>
+            </a:r>
+            <a:r>
+              <a:rPr lang="zh-CN" altLang="en-US" dirty="0"/>
+              <a:t>指令</a:t>
+            </a:r>
+            <a:endParaRPr lang="en-US" altLang="zh-CN" dirty="0"/>
+          </a:p>
+          <a:p>
+            <a:endParaRPr lang="en-US" altLang="zh-CN" dirty="0"/>
+          </a:p>
+          <a:p>
+            <a:endParaRPr lang="zh-CN" altLang="en-US" dirty="0"/>
+          </a:p>
+        </p:txBody>
+      </p:sp>
+      <p:pic>
+        <p:nvPicPr>
+          <p:cNvPr id="5" name="图片 4">
+            <a:extLst>
+              <a:ext uri="{FF2B5EF4-FFF2-40B4-BE49-F238E27FC236}">
+                <a16:creationId xmlns:a16="http://schemas.microsoft.com/office/drawing/2014/main" id="{8A63143B-A3AA-45F7-9DB2-99E3731595B6}"/>
+              </a:ext>
+            </a:extLst>
+          </p:cNvPr>
+          <p:cNvPicPr>
+            <a:picLocks noChangeAspect="1"/>
+          </p:cNvPicPr>
+          <p:nvPr/>
+        </p:nvPicPr>
+        <p:blipFill>
+          <a:blip r:embed="rId2"/>
+          <a:stretch>
+            <a:fillRect/>
+          </a:stretch>
+        </p:blipFill>
+        <p:spPr>
+          <a:xfrm>
+            <a:off x="3424237" y="2995236"/>
+            <a:ext cx="5343525" cy="1628775"/>
+          </a:xfrm>
+          <a:prstGeom prst="rect">
+            <a:avLst/>
+          </a:prstGeom>
+        </p:spPr>
+      </p:pic>
+      <p:pic>
+        <p:nvPicPr>
+          <p:cNvPr id="6" name="图片 5">
+            <a:extLst>
+              <a:ext uri="{FF2B5EF4-FFF2-40B4-BE49-F238E27FC236}">
+                <a16:creationId xmlns:a16="http://schemas.microsoft.com/office/drawing/2014/main" id="{12B3F4BC-7381-4365-8BCC-FFACADEAB3D2}"/>
+              </a:ext>
+            </a:extLst>
+          </p:cNvPr>
+          <p:cNvPicPr>
+            <a:picLocks noChangeAspect="1"/>
+          </p:cNvPicPr>
+          <p:nvPr/>
+        </p:nvPicPr>
+        <p:blipFill>
+          <a:blip r:embed="rId3"/>
+          <a:stretch>
+            <a:fillRect/>
+          </a:stretch>
+        </p:blipFill>
+        <p:spPr>
+          <a:xfrm>
+            <a:off x="3009899" y="5028266"/>
+            <a:ext cx="6172200" cy="971550"/>
+          </a:xfrm>
+          <a:prstGeom prst="rect">
+            <a:avLst/>
+          </a:prstGeom>
+        </p:spPr>
+      </p:pic>
+    </p:spTree>
+    <p:extLst>
+      <p:ext uri="{BB962C8B-B14F-4D97-AF65-F5344CB8AC3E}">
+        <p14:creationId xmlns:p14="http://schemas.microsoft.com/office/powerpoint/2010/main" val="2960382463"/>
+      </p:ext>
+    </p:extLst>
+  </p:cSld>
+  <p:clrMapOvr>
+    <a:masterClrMapping/>
+  </p:clrMapOvr>
+  <mc:AlternateContent xmlns:mc="http://schemas.openxmlformats.org/markup-compatibility/2006" xmlns:p14="http://schemas.microsoft.com/office/powerpoint/2010/main">
+    <mc:Choice Requires="p14">
+      <p:transition spd="slow" p14:dur="1250">
+        <p:push dir="u"/>
+      </p:transition>
+    </mc:Choice>
+    <mc:Fallback xmlns="">
+      <p:transition spd="slow">
+        <p:push dir="u"/>
+      </p:transition>
+    </mc:Fallback>
+  </mc:AlternateContent>
+</p:sld>
+</file>
+
+<file path=ppt/slides/slide14.xml><?xml version="1.0" encoding="utf-8"?>
+<p:sld xmlns:a="http://schemas.openxmlformats.org/drawingml/2006/main" xmlns:r="http://schemas.openxmlformats.org/officeDocument/2006/relationships" xmlns:p="http://schemas.openxmlformats.org/presentationml/2006/main">
+  <p:cSld>
+    <p:spTree>
+      <p:nvGrpSpPr>
+        <p:cNvPr id="1" name=""/>
+        <p:cNvGrpSpPr/>
+        <p:nvPr/>
+      </p:nvGrpSpPr>
+      <p:grpSpPr>
+        <a:xfrm>
+          <a:off x="0" y="0"/>
+          <a:ext cx="0" cy="0"/>
+          <a:chOff x="0" y="0"/>
+          <a:chExt cx="0" cy="0"/>
+        </a:xfrm>
+      </p:grpSpPr>
+      <p:sp>
+        <p:nvSpPr>
+          <p:cNvPr id="2" name="标题 1">
+            <a:extLst>
+              <a:ext uri="{FF2B5EF4-FFF2-40B4-BE49-F238E27FC236}">
+                <a16:creationId xmlns:a16="http://schemas.microsoft.com/office/drawing/2014/main" id="{FA340A2F-F117-468E-9EC8-991249A924CF}"/>
+              </a:ext>
+            </a:extLst>
+          </p:cNvPr>
+          <p:cNvSpPr>
+            <a:spLocks noGrp="1"/>
+          </p:cNvSpPr>
+          <p:nvPr>
+            <p:ph type="title"/>
+          </p:nvPr>
+        </p:nvSpPr>
+        <p:spPr/>
+        <p:txBody>
+          <a:bodyPr/>
+          <a:lstStyle/>
+          <a:p>
+            <a:pPr algn="ctr"/>
+            <a:r>
+              <a:rPr lang="zh-CN" altLang="en-US" dirty="0"/>
+              <a:t>环境搭建（续）</a:t>
+            </a:r>
+          </a:p>
+        </p:txBody>
+      </p:sp>
+      <p:sp>
+        <p:nvSpPr>
+          <p:cNvPr id="3" name="内容占位符 2">
+            <a:extLst>
+              <a:ext uri="{FF2B5EF4-FFF2-40B4-BE49-F238E27FC236}">
+                <a16:creationId xmlns:a16="http://schemas.microsoft.com/office/drawing/2014/main" id="{853D2627-2BA4-46F1-B1D0-A3BA1A0F788B}"/>
+              </a:ext>
+            </a:extLst>
+          </p:cNvPr>
+          <p:cNvSpPr>
+            <a:spLocks noGrp="1"/>
+          </p:cNvSpPr>
+          <p:nvPr>
+            <p:ph idx="1"/>
+          </p:nvPr>
+        </p:nvSpPr>
+        <p:spPr/>
+        <p:txBody>
+          <a:bodyPr/>
+          <a:lstStyle/>
+          <a:p>
+            <a:pPr marL="514350" indent="-514350">
+              <a:buFont typeface="+mj-lt"/>
+              <a:buAutoNum type="arabicPeriod" startAt="5"/>
+            </a:pPr>
+            <a:r>
+              <a:rPr lang="zh-CN" altLang="en-US" dirty="0"/>
+              <a:t>进入</a:t>
+            </a:r>
+            <a:r>
+              <a:rPr lang="en-US" altLang="zh-CN" dirty="0"/>
+              <a:t>esp8266</a:t>
+            </a:r>
+            <a:r>
+              <a:rPr lang="zh-CN" altLang="en-US" dirty="0"/>
+              <a:t>文件夹，使用</a:t>
+            </a:r>
+            <a:r>
+              <a:rPr lang="en-US" altLang="zh-CN" dirty="0"/>
+              <a:t>git</a:t>
+            </a:r>
+            <a:r>
+              <a:rPr lang="zh-CN" altLang="en-US" dirty="0"/>
+              <a:t>指令更新子模块</a:t>
+            </a:r>
+            <a:endParaRPr lang="en-US" altLang="zh-CN" dirty="0"/>
+          </a:p>
+          <a:p>
+            <a:endParaRPr lang="en-US" altLang="zh-CN" dirty="0"/>
+          </a:p>
+          <a:p>
+            <a:pPr marL="0" indent="0">
+              <a:buNone/>
+            </a:pPr>
+            <a:endParaRPr lang="en-US" altLang="zh-CN" dirty="0"/>
+          </a:p>
+          <a:p>
+            <a:pPr marL="514350" indent="-514350">
+              <a:buFont typeface="+mj-lt"/>
+              <a:buAutoNum type="arabicPeriod" startAt="6"/>
+            </a:pPr>
+            <a:r>
+              <a:rPr lang="zh-CN" altLang="en-US" dirty="0"/>
+              <a:t>进入</a:t>
+            </a:r>
+            <a:r>
+              <a:rPr lang="en-US" altLang="zh-CN" dirty="0"/>
+              <a:t>esp8266</a:t>
+            </a:r>
+            <a:r>
+              <a:rPr lang="zh-CN" altLang="en-US" dirty="0"/>
+              <a:t>文件夹下的</a:t>
+            </a:r>
+            <a:r>
+              <a:rPr lang="en-US" altLang="zh-CN" dirty="0"/>
+              <a:t>tools</a:t>
+            </a:r>
+            <a:r>
+              <a:rPr lang="zh-CN" altLang="en-US" dirty="0"/>
+              <a:t>文件夹，下载二进制工具</a:t>
+            </a:r>
+            <a:endParaRPr lang="en-US" altLang="zh-CN" dirty="0"/>
+          </a:p>
+          <a:p>
+            <a:endParaRPr lang="zh-CN" altLang="en-US" dirty="0"/>
+          </a:p>
+        </p:txBody>
+      </p:sp>
+      <p:pic>
+        <p:nvPicPr>
+          <p:cNvPr id="4" name="图片 3">
+            <a:extLst>
+              <a:ext uri="{FF2B5EF4-FFF2-40B4-BE49-F238E27FC236}">
+                <a16:creationId xmlns:a16="http://schemas.microsoft.com/office/drawing/2014/main" id="{FA58C152-DCCC-4538-916A-D750F5ED1E2A}"/>
+              </a:ext>
+            </a:extLst>
+          </p:cNvPr>
+          <p:cNvPicPr>
+            <a:picLocks noChangeAspect="1"/>
+          </p:cNvPicPr>
+          <p:nvPr/>
+        </p:nvPicPr>
+        <p:blipFill>
+          <a:blip r:embed="rId2"/>
+          <a:stretch>
+            <a:fillRect/>
+          </a:stretch>
+        </p:blipFill>
+        <p:spPr>
+          <a:xfrm>
+            <a:off x="2809874" y="3557589"/>
+            <a:ext cx="6572250" cy="1123950"/>
+          </a:xfrm>
+          <a:prstGeom prst="rect">
+            <a:avLst/>
+          </a:prstGeom>
+        </p:spPr>
+      </p:pic>
+      <p:pic>
+        <p:nvPicPr>
+          <p:cNvPr id="5" name="图片 4">
+            <a:extLst>
+              <a:ext uri="{FF2B5EF4-FFF2-40B4-BE49-F238E27FC236}">
+                <a16:creationId xmlns:a16="http://schemas.microsoft.com/office/drawing/2014/main" id="{4269EA8A-1D8E-4D9E-B0E5-E5731ACEDD75}"/>
+              </a:ext>
+            </a:extLst>
+          </p:cNvPr>
+          <p:cNvPicPr>
+            <a:picLocks noChangeAspect="1"/>
+          </p:cNvPicPr>
+          <p:nvPr/>
+        </p:nvPicPr>
+        <p:blipFill>
+          <a:blip r:embed="rId3"/>
+          <a:stretch>
+            <a:fillRect/>
+          </a:stretch>
+        </p:blipFill>
+        <p:spPr>
+          <a:xfrm>
+            <a:off x="2633661" y="5133974"/>
+            <a:ext cx="6924675" cy="1266825"/>
+          </a:xfrm>
+          <a:prstGeom prst="rect">
+            <a:avLst/>
+          </a:prstGeom>
+        </p:spPr>
+      </p:pic>
+    </p:spTree>
+    <p:extLst>
+      <p:ext uri="{BB962C8B-B14F-4D97-AF65-F5344CB8AC3E}">
+        <p14:creationId xmlns:p14="http://schemas.microsoft.com/office/powerpoint/2010/main" val="2042275674"/>
+      </p:ext>
+    </p:extLst>
+  </p:cSld>
+  <p:clrMapOvr>
+    <a:masterClrMapping/>
+  </p:clrMapOvr>
+  <mc:AlternateContent xmlns:mc="http://schemas.openxmlformats.org/markup-compatibility/2006" xmlns:p14="http://schemas.microsoft.com/office/powerpoint/2010/main">
+    <mc:Choice Requires="p14">
+      <p:transition spd="slow" p14:dur="1250">
+        <p:push dir="u"/>
+      </p:transition>
+    </mc:Choice>
+    <mc:Fallback xmlns="">
+      <p:transition spd="slow">
+        <p:push dir="u"/>
+      </p:transition>
+    </mc:Fallback>
+  </mc:AlternateContent>
+</p:sld>
+</file>
+
+<file path=ppt/slides/slide15.xml><?xml version="1.0" encoding="utf-8"?>
+<p:sld xmlns:a="http://schemas.openxmlformats.org/drawingml/2006/main" xmlns:r="http://schemas.openxmlformats.org/officeDocument/2006/relationships" xmlns:p="http://schemas.openxmlformats.org/presentationml/2006/main">
+  <p:cSld>
+    <p:spTree>
+      <p:nvGrpSpPr>
+        <p:cNvPr id="1" name=""/>
+        <p:cNvGrpSpPr/>
+        <p:nvPr/>
+      </p:nvGrpSpPr>
+      <p:grpSpPr>
+        <a:xfrm>
+          <a:off x="0" y="0"/>
+          <a:ext cx="0" cy="0"/>
+          <a:chOff x="0" y="0"/>
+          <a:chExt cx="0" cy="0"/>
+        </a:xfrm>
+      </p:grpSpPr>
+      <p:sp>
+        <p:nvSpPr>
+          <p:cNvPr id="2" name="标题 1">
+            <a:extLst>
+              <a:ext uri="{FF2B5EF4-FFF2-40B4-BE49-F238E27FC236}">
+                <a16:creationId xmlns:a16="http://schemas.microsoft.com/office/drawing/2014/main" id="{9A5444D3-A5EB-4E4B-991C-B3342B79337C}"/>
+              </a:ext>
+            </a:extLst>
+          </p:cNvPr>
+          <p:cNvSpPr>
+            <a:spLocks noGrp="1"/>
+          </p:cNvSpPr>
+          <p:nvPr>
+            <p:ph type="title"/>
+          </p:nvPr>
+        </p:nvSpPr>
+        <p:spPr/>
+        <p:txBody>
+          <a:bodyPr/>
+          <a:lstStyle/>
+          <a:p>
+            <a:pPr algn="ctr"/>
+            <a:r>
+              <a:rPr lang="zh-CN" altLang="en-US" dirty="0"/>
+              <a:t>环境搭建（续）</a:t>
+            </a:r>
+          </a:p>
+        </p:txBody>
+      </p:sp>
+      <p:sp>
+        <p:nvSpPr>
+          <p:cNvPr id="3" name="内容占位符 2">
+            <a:extLst>
+              <a:ext uri="{FF2B5EF4-FFF2-40B4-BE49-F238E27FC236}">
+                <a16:creationId xmlns:a16="http://schemas.microsoft.com/office/drawing/2014/main" id="{FC09717D-0E17-417D-BAB1-66C0B5097425}"/>
+              </a:ext>
+            </a:extLst>
+          </p:cNvPr>
+          <p:cNvSpPr>
+            <a:spLocks noGrp="1"/>
+          </p:cNvSpPr>
+          <p:nvPr>
+            <p:ph idx="1"/>
+          </p:nvPr>
+        </p:nvSpPr>
+        <p:spPr/>
+        <p:txBody>
+          <a:bodyPr/>
+          <a:lstStyle/>
+          <a:p>
+            <a:pPr marL="514350" indent="-514350">
+              <a:buFont typeface="+mj-lt"/>
+              <a:buAutoNum type="arabicPeriod" startAt="7"/>
+            </a:pPr>
+            <a:r>
+              <a:rPr lang="zh-CN" altLang="en-US" dirty="0"/>
+              <a:t>重启</a:t>
+            </a:r>
+            <a:r>
+              <a:rPr lang="en-US" altLang="zh-CN" dirty="0"/>
+              <a:t>Arduino IDE</a:t>
+            </a:r>
+            <a:r>
+              <a:rPr lang="zh-CN" altLang="en-US" dirty="0"/>
+              <a:t>。</a:t>
+            </a:r>
+            <a:endParaRPr lang="en-US" altLang="zh-CN" dirty="0"/>
+          </a:p>
+          <a:p>
+            <a:pPr marL="514350" indent="-514350">
+              <a:buFont typeface="+mj-lt"/>
+              <a:buAutoNum type="arabicPeriod" startAt="7"/>
+            </a:pPr>
+            <a:r>
+              <a:rPr lang="zh-CN" altLang="en-US"/>
+              <a:t>选择</a:t>
+            </a:r>
+            <a:r>
+              <a:rPr lang="zh-CN" altLang="en-US" dirty="0"/>
+              <a:t>“工具</a:t>
+            </a:r>
+            <a:r>
+              <a:rPr lang="en-US" altLang="zh-CN" dirty="0"/>
+              <a:t>-&gt;</a:t>
+            </a:r>
+            <a:r>
+              <a:rPr lang="zh-CN" altLang="en-US" dirty="0"/>
+              <a:t>开发板</a:t>
+            </a:r>
+            <a:r>
+              <a:rPr lang="en-US" altLang="zh-CN" dirty="0"/>
+              <a:t>-&gt;Generic ESP8266 Module”</a:t>
+            </a:r>
+          </a:p>
+        </p:txBody>
+      </p:sp>
+    </p:spTree>
+    <p:extLst>
+      <p:ext uri="{BB962C8B-B14F-4D97-AF65-F5344CB8AC3E}">
+        <p14:creationId xmlns:p14="http://schemas.microsoft.com/office/powerpoint/2010/main" val="731705632"/>
       </p:ext>
     </p:extLst>
   </p:cSld>
@@ -7696,7 +8805,7 @@
           <p:cNvPr id="2" name="标题 1">
             <a:extLst>
               <a:ext uri="{FF2B5EF4-FFF2-40B4-BE49-F238E27FC236}">
-                <a16:creationId xmlns:a16="http://schemas.microsoft.com/office/drawing/2014/main" id="{324D2740-0EA6-4715-A40C-A031B889DB70}"/>
+                <a16:creationId xmlns:a16="http://schemas.microsoft.com/office/drawing/2014/main" id="{9585F1DD-77F3-4DC7-9FD4-9FDD539768B9}"/>
               </a:ext>
             </a:extLst>
           </p:cNvPr>
@@ -7709,339 +8818,65 @@
         </p:nvSpPr>
         <p:spPr/>
         <p:txBody>
-          <a:bodyPr>
-            <a:normAutofit/>
-          </a:bodyPr>
+          <a:bodyPr/>
           <a:lstStyle/>
           <a:p>
-            <a:r>
-              <a:rPr lang="en-US" altLang="zh-CN" sz="2800" dirty="0"/>
-              <a:t>ESP8266/</a:t>
-            </a:r>
-            <a:r>
-              <a:rPr lang="en-US" altLang="zh-CN" sz="2800" dirty="0" err="1"/>
+            <a:pPr algn="ctr"/>
+            <a:r>
+              <a:rPr lang="en-US" altLang="zh-CN" dirty="0"/>
+              <a:t>Uno</a:t>
+            </a:r>
+            <a:r>
+              <a:rPr lang="zh-CN" altLang="en-US" dirty="0"/>
+              <a:t>和</a:t>
+            </a:r>
+            <a:r>
+              <a:rPr lang="en-US" altLang="zh-CN" dirty="0" err="1"/>
               <a:t>NodeMCU</a:t>
             </a:r>
             <a:r>
-              <a:rPr lang="zh-CN" altLang="en-US" sz="2800" dirty="0"/>
-              <a:t>开发方式</a:t>
-            </a:r>
-          </a:p>
-        </p:txBody>
-      </p:sp>
-      <p:sp>
-        <p:nvSpPr>
-          <p:cNvPr id="3" name="内容占位符 2">
+              <a:rPr lang="zh-CN" altLang="en-US" dirty="0"/>
+              <a:t>开发说明</a:t>
+            </a:r>
+          </a:p>
+        </p:txBody>
+      </p:sp>
+      <p:pic>
+        <p:nvPicPr>
+          <p:cNvPr id="4" name="内容占位符 3">
             <a:extLst>
               <a:ext uri="{FF2B5EF4-FFF2-40B4-BE49-F238E27FC236}">
-                <a16:creationId xmlns:a16="http://schemas.microsoft.com/office/drawing/2014/main" id="{F256BCB7-6D2F-40F3-A73B-781997BBBD1E}"/>
+                <a16:creationId xmlns:a16="http://schemas.microsoft.com/office/drawing/2014/main" id="{0DC37B3E-4F81-41E1-A55F-B12F2496504E}"/>
               </a:ext>
             </a:extLst>
           </p:cNvPr>
-          <p:cNvSpPr>
-            <a:spLocks noGrp="1"/>
-          </p:cNvSpPr>
-          <p:nvPr>
-            <p:ph idx="1"/>
-          </p:nvPr>
-        </p:nvSpPr>
+          <p:cNvPicPr>
+            <a:picLocks noGrp="1" noChangeAspect="1"/>
+          </p:cNvPicPr>
+          <p:nvPr>
+            <p:ph idx="4294967295"/>
+          </p:nvPr>
+        </p:nvPicPr>
+        <p:blipFill>
+          <a:blip r:embed="rId2"/>
+          <a:stretch>
+            <a:fillRect/>
+          </a:stretch>
+        </p:blipFill>
         <p:spPr>
           <a:xfrm>
-            <a:off x="1309512" y="2073897"/>
-            <a:ext cx="10272889" cy="4062952"/>
+            <a:off x="1392943" y="2155597"/>
+            <a:ext cx="10106025" cy="3714750"/>
           </a:xfrm>
+          <a:prstGeom prst="rect">
+            <a:avLst/>
+          </a:prstGeom>
         </p:spPr>
-        <p:txBody>
-          <a:bodyPr>
-            <a:normAutofit fontScale="77500" lnSpcReduction="20000"/>
-          </a:bodyPr>
-          <a:lstStyle/>
-          <a:p>
-            <a:pPr marL="457200" indent="-457200">
-              <a:buFont typeface="+mj-lt"/>
-              <a:buAutoNum type="arabicPeriod"/>
-            </a:pPr>
-            <a:r>
-              <a:rPr lang="en-US" altLang="zh-CN" b="1" dirty="0"/>
-              <a:t>AT</a:t>
-            </a:r>
-            <a:r>
-              <a:rPr lang="zh-CN" altLang="zh-CN" b="1" dirty="0"/>
-              <a:t>指令</a:t>
-            </a:r>
-            <a:r>
-              <a:rPr lang="zh-CN" altLang="en-US" b="1" dirty="0"/>
-              <a:t>：</a:t>
-            </a:r>
-            <a:r>
-              <a:rPr lang="zh-CN" altLang="zh-CN" dirty="0"/>
-              <a:t>烧录</a:t>
-            </a:r>
-            <a:r>
-              <a:rPr lang="en-US" altLang="zh-CN" dirty="0"/>
-              <a:t>AT</a:t>
-            </a:r>
-            <a:r>
-              <a:rPr lang="zh-CN" altLang="zh-CN" dirty="0"/>
-              <a:t>固件包，使用</a:t>
-            </a:r>
-            <a:r>
-              <a:rPr lang="en-US" altLang="zh-CN" dirty="0"/>
-              <a:t>AT</a:t>
-            </a:r>
-            <a:r>
-              <a:rPr lang="zh-CN" altLang="zh-CN" dirty="0"/>
-              <a:t>指令与</a:t>
-            </a:r>
-            <a:r>
-              <a:rPr lang="en-US" altLang="zh-CN" dirty="0"/>
-              <a:t>ESP8266</a:t>
-            </a:r>
-            <a:r>
-              <a:rPr lang="zh-CN" altLang="zh-CN" dirty="0"/>
-              <a:t>交互，执行相应指令，需与单片机相连</a:t>
-            </a:r>
-            <a:endParaRPr lang="en-US" altLang="zh-CN" dirty="0"/>
-          </a:p>
-          <a:p>
-            <a:pPr lvl="1"/>
-            <a:r>
-              <a:rPr lang="zh-CN" altLang="zh-CN" b="1" dirty="0"/>
-              <a:t>优点：</a:t>
-            </a:r>
-            <a:r>
-              <a:rPr lang="zh-CN" altLang="zh-CN" dirty="0"/>
-              <a:t>开发简单，资料较多。只需知道</a:t>
-            </a:r>
-            <a:r>
-              <a:rPr lang="en-US" altLang="zh-CN" dirty="0"/>
-              <a:t>AT</a:t>
-            </a:r>
-            <a:r>
-              <a:rPr lang="zh-CN" altLang="zh-CN" dirty="0"/>
-              <a:t>指令集，以及它的通信方式即可。 </a:t>
-            </a:r>
-          </a:p>
-          <a:p>
-            <a:pPr lvl="1"/>
-            <a:r>
-              <a:rPr lang="zh-CN" altLang="zh-CN" b="1" dirty="0"/>
-              <a:t>缺点：</a:t>
-            </a:r>
-            <a:r>
-              <a:rPr lang="zh-CN" altLang="zh-CN" dirty="0"/>
-              <a:t>浪费资源，需要</a:t>
-            </a:r>
-            <a:r>
-              <a:rPr lang="en-US" altLang="zh-CN" dirty="0"/>
-              <a:t>MCU</a:t>
-            </a:r>
-            <a:r>
-              <a:rPr lang="zh-CN" altLang="zh-CN" dirty="0"/>
-              <a:t>与其通信，不能独立完成某项功能。</a:t>
-            </a:r>
-          </a:p>
-          <a:p>
-            <a:pPr marL="457200" indent="-457200">
-              <a:buFont typeface="+mj-lt"/>
-              <a:buAutoNum type="arabicPeriod"/>
-            </a:pPr>
-            <a:r>
-              <a:rPr lang="en-US" altLang="zh-CN" b="1" dirty="0" err="1"/>
-              <a:t>NodeMCU</a:t>
-            </a:r>
-            <a:r>
-              <a:rPr lang="zh-CN" altLang="zh-CN" b="1" dirty="0"/>
-              <a:t>的</a:t>
-            </a:r>
-            <a:r>
-              <a:rPr lang="en-US" altLang="zh-CN" b="1" dirty="0" err="1"/>
-              <a:t>lua</a:t>
-            </a:r>
-            <a:r>
-              <a:rPr lang="zh-CN" altLang="en-US" b="1" dirty="0"/>
-              <a:t>：</a:t>
-            </a:r>
-            <a:r>
-              <a:rPr lang="zh-CN" altLang="zh-CN" dirty="0"/>
-              <a:t> 烧录</a:t>
-            </a:r>
-            <a:r>
-              <a:rPr lang="en-US" altLang="zh-CN" dirty="0" err="1"/>
-              <a:t>NodeMCU</a:t>
-            </a:r>
-            <a:r>
-              <a:rPr lang="zh-CN" altLang="zh-CN" dirty="0"/>
-              <a:t>的固件包，使用</a:t>
-            </a:r>
-            <a:r>
-              <a:rPr lang="en-US" altLang="zh-CN" dirty="0"/>
-              <a:t>Lua</a:t>
-            </a:r>
-            <a:r>
-              <a:rPr lang="zh-CN" altLang="zh-CN" dirty="0"/>
-              <a:t>语言开发，使用</a:t>
-            </a:r>
-            <a:r>
-              <a:rPr lang="en-US" altLang="zh-CN" dirty="0"/>
-              <a:t>ESP</a:t>
-            </a:r>
-            <a:r>
-              <a:rPr lang="zh-CN" altLang="zh-CN" dirty="0"/>
-              <a:t>内部资源</a:t>
-            </a:r>
-            <a:endParaRPr lang="en-US" altLang="zh-CN" dirty="0"/>
-          </a:p>
-          <a:p>
-            <a:pPr lvl="1"/>
-            <a:r>
-              <a:rPr lang="en-US" altLang="zh-CN" dirty="0" err="1"/>
-              <a:t>NodeMCU</a:t>
-            </a:r>
-            <a:r>
-              <a:rPr lang="zh-CN" altLang="zh-CN" dirty="0"/>
-              <a:t>本质也是</a:t>
-            </a:r>
-            <a:r>
-              <a:rPr lang="en-US" altLang="zh-CN" dirty="0"/>
-              <a:t>ESP8266</a:t>
-            </a:r>
-            <a:r>
-              <a:rPr lang="zh-CN" altLang="zh-CN" dirty="0"/>
-              <a:t>，只是它的固件是与</a:t>
-            </a:r>
-            <a:r>
-              <a:rPr lang="en-US" altLang="zh-CN" dirty="0" err="1"/>
-              <a:t>lua</a:t>
-            </a:r>
-            <a:r>
-              <a:rPr lang="zh-CN" altLang="zh-CN" dirty="0"/>
-              <a:t>脚本语言交互。</a:t>
-            </a:r>
-          </a:p>
-          <a:p>
-            <a:pPr lvl="1"/>
-            <a:r>
-              <a:rPr lang="zh-CN" altLang="zh-CN" b="1" dirty="0"/>
-              <a:t>优点：</a:t>
-            </a:r>
-            <a:r>
-              <a:rPr lang="zh-CN" altLang="zh-CN" dirty="0"/>
-              <a:t>节省资源，开发简单，代码量少。 </a:t>
-            </a:r>
-          </a:p>
-          <a:p>
-            <a:pPr lvl="1"/>
-            <a:r>
-              <a:rPr lang="zh-CN" altLang="zh-CN" b="1" dirty="0"/>
-              <a:t>缺点： </a:t>
-            </a:r>
-            <a:endParaRPr lang="zh-CN" altLang="zh-CN" dirty="0"/>
-          </a:p>
-          <a:p>
-            <a:pPr marL="1371600" lvl="2" indent="-457200">
-              <a:buFont typeface="+mj-lt"/>
-              <a:buAutoNum type="arabicPeriod"/>
-            </a:pPr>
-            <a:r>
-              <a:rPr lang="en-US" altLang="zh-CN" dirty="0" err="1"/>
-              <a:t>lua</a:t>
-            </a:r>
-            <a:r>
-              <a:rPr lang="zh-CN" altLang="zh-CN" dirty="0"/>
-              <a:t>解释器执行效率较低</a:t>
-            </a:r>
-            <a:endParaRPr lang="en-US" altLang="zh-CN" dirty="0"/>
-          </a:p>
-          <a:p>
-            <a:pPr marL="1371600" lvl="2" indent="-457200">
-              <a:buFont typeface="+mj-lt"/>
-              <a:buAutoNum type="arabicPeriod"/>
-            </a:pPr>
-            <a:r>
-              <a:rPr lang="zh-CN" altLang="zh-CN" dirty="0"/>
-              <a:t>前期准备比较麻烦。需要准备相应功能的固件，烧录进去，然后使用</a:t>
-            </a:r>
-            <a:r>
-              <a:rPr lang="en-US" altLang="zh-CN" dirty="0" err="1"/>
-              <a:t>lua</a:t>
-            </a:r>
-            <a:r>
-              <a:rPr lang="zh-CN" altLang="zh-CN" dirty="0"/>
-              <a:t>语言和工具与之调试。</a:t>
-            </a:r>
-          </a:p>
-          <a:p>
-            <a:pPr marL="457200" indent="-457200">
-              <a:buFont typeface="+mj-lt"/>
-              <a:buAutoNum type="arabicPeriod"/>
-            </a:pPr>
-            <a:r>
-              <a:rPr lang="en-US" altLang="zh-CN" b="1" dirty="0">
-                <a:solidFill>
-                  <a:srgbClr val="FF0000"/>
-                </a:solidFill>
-              </a:rPr>
-              <a:t>Arduino IDE</a:t>
-            </a:r>
-            <a:r>
-              <a:rPr lang="zh-CN" altLang="en-US" b="1" dirty="0"/>
-              <a:t>：</a:t>
-            </a:r>
-            <a:r>
-              <a:rPr lang="zh-CN" altLang="zh-CN" dirty="0"/>
-              <a:t>相当于直接编写固件，编译之后，烧录进</a:t>
-            </a:r>
-            <a:r>
-              <a:rPr lang="en-US" altLang="zh-CN" dirty="0"/>
-              <a:t>ESP</a:t>
-            </a:r>
-            <a:r>
-              <a:rPr lang="zh-CN" altLang="zh-CN" dirty="0"/>
-              <a:t>，使用</a:t>
-            </a:r>
-            <a:r>
-              <a:rPr lang="en-US" altLang="zh-CN" dirty="0"/>
-              <a:t>ESP</a:t>
-            </a:r>
-            <a:r>
-              <a:rPr lang="zh-CN" altLang="zh-CN" dirty="0"/>
-              <a:t>内部资源</a:t>
-            </a:r>
-            <a:endParaRPr lang="en-US" altLang="zh-CN" dirty="0"/>
-          </a:p>
-          <a:p>
-            <a:pPr lvl="1"/>
-            <a:r>
-              <a:rPr lang="zh-CN" altLang="zh-CN" b="1" dirty="0"/>
-              <a:t>优点：</a:t>
-            </a:r>
-            <a:r>
-              <a:rPr lang="zh-CN" altLang="zh-CN" dirty="0"/>
-              <a:t>集编程和烧录一体，使用很方便。语言执行效率高，节省资源，开发简单，该有的库也都有。</a:t>
-            </a:r>
-          </a:p>
-          <a:p>
-            <a:pPr lvl="1"/>
-            <a:r>
-              <a:rPr lang="zh-CN" altLang="zh-CN" b="1" dirty="0"/>
-              <a:t>缺点：</a:t>
-            </a:r>
-            <a:r>
-              <a:rPr lang="en-US" altLang="zh-CN" dirty="0"/>
-              <a:t>Arduino IDE</a:t>
-            </a:r>
-            <a:r>
-              <a:rPr lang="zh-CN" altLang="en-US" dirty="0"/>
-              <a:t>简陋，不方便调试和阅读代码</a:t>
-            </a:r>
-          </a:p>
-        </p:txBody>
-      </p:sp>
+      </p:pic>
     </p:spTree>
     <p:extLst>
       <p:ext uri="{BB962C8B-B14F-4D97-AF65-F5344CB8AC3E}">
-        <p14:creationId xmlns:p14="http://schemas.microsoft.com/office/powerpoint/2010/main" val="1628985424"/>
+        <p14:creationId xmlns:p14="http://schemas.microsoft.com/office/powerpoint/2010/main" val="3044414391"/>
       </p:ext>
     </p:extLst>
   </p:cSld>
@@ -8085,6 +8920,395 @@
           <p:cNvPr id="2" name="标题 1">
             <a:extLst>
               <a:ext uri="{FF2B5EF4-FFF2-40B4-BE49-F238E27FC236}">
+                <a16:creationId xmlns:a16="http://schemas.microsoft.com/office/drawing/2014/main" id="{324D2740-0EA6-4715-A40C-A031B889DB70}"/>
+              </a:ext>
+            </a:extLst>
+          </p:cNvPr>
+          <p:cNvSpPr>
+            <a:spLocks noGrp="1"/>
+          </p:cNvSpPr>
+          <p:nvPr>
+            <p:ph type="title"/>
+          </p:nvPr>
+        </p:nvSpPr>
+        <p:spPr/>
+        <p:txBody>
+          <a:bodyPr>
+            <a:normAutofit/>
+          </a:bodyPr>
+          <a:lstStyle/>
+          <a:p>
+            <a:r>
+              <a:rPr lang="en-US" altLang="zh-CN" sz="2800" dirty="0"/>
+              <a:t>ESP8266/</a:t>
+            </a:r>
+            <a:r>
+              <a:rPr lang="en-US" altLang="zh-CN" sz="2800" dirty="0" err="1"/>
+              <a:t>NodeMCU</a:t>
+            </a:r>
+            <a:r>
+              <a:rPr lang="zh-CN" altLang="en-US" sz="2800" dirty="0"/>
+              <a:t>开发方式</a:t>
+            </a:r>
+          </a:p>
+        </p:txBody>
+      </p:sp>
+      <p:sp>
+        <p:nvSpPr>
+          <p:cNvPr id="3" name="内容占位符 2">
+            <a:extLst>
+              <a:ext uri="{FF2B5EF4-FFF2-40B4-BE49-F238E27FC236}">
+                <a16:creationId xmlns:a16="http://schemas.microsoft.com/office/drawing/2014/main" id="{F256BCB7-6D2F-40F3-A73B-781997BBBD1E}"/>
+              </a:ext>
+            </a:extLst>
+          </p:cNvPr>
+          <p:cNvSpPr>
+            <a:spLocks noGrp="1"/>
+          </p:cNvSpPr>
+          <p:nvPr>
+            <p:ph idx="1"/>
+          </p:nvPr>
+        </p:nvSpPr>
+        <p:spPr>
+          <a:xfrm>
+            <a:off x="1309512" y="2073897"/>
+            <a:ext cx="10272889" cy="4062952"/>
+          </a:xfrm>
+        </p:spPr>
+        <p:txBody>
+          <a:bodyPr>
+            <a:normAutofit fontScale="77500" lnSpcReduction="20000"/>
+          </a:bodyPr>
+          <a:lstStyle/>
+          <a:p>
+            <a:pPr marL="457200" indent="-457200">
+              <a:buFont typeface="+mj-lt"/>
+              <a:buAutoNum type="arabicPeriod"/>
+            </a:pPr>
+            <a:r>
+              <a:rPr lang="en-US" altLang="zh-CN" b="1" dirty="0"/>
+              <a:t>AT</a:t>
+            </a:r>
+            <a:r>
+              <a:rPr lang="zh-CN" altLang="zh-CN" b="1" dirty="0"/>
+              <a:t>指令</a:t>
+            </a:r>
+            <a:r>
+              <a:rPr lang="zh-CN" altLang="en-US" b="1" dirty="0"/>
+              <a:t>：</a:t>
+            </a:r>
+            <a:r>
+              <a:rPr lang="zh-CN" altLang="zh-CN" dirty="0"/>
+              <a:t>烧录</a:t>
+            </a:r>
+            <a:r>
+              <a:rPr lang="en-US" altLang="zh-CN" dirty="0"/>
+              <a:t>AT</a:t>
+            </a:r>
+            <a:r>
+              <a:rPr lang="zh-CN" altLang="zh-CN" dirty="0"/>
+              <a:t>固件包，使用</a:t>
+            </a:r>
+            <a:r>
+              <a:rPr lang="en-US" altLang="zh-CN" dirty="0"/>
+              <a:t>AT</a:t>
+            </a:r>
+            <a:r>
+              <a:rPr lang="zh-CN" altLang="zh-CN" dirty="0"/>
+              <a:t>指令与</a:t>
+            </a:r>
+            <a:r>
+              <a:rPr lang="en-US" altLang="zh-CN" dirty="0"/>
+              <a:t>ESP8266</a:t>
+            </a:r>
+            <a:r>
+              <a:rPr lang="zh-CN" altLang="zh-CN" dirty="0"/>
+              <a:t>交互，执行相应指令，需与单片机相连</a:t>
+            </a:r>
+            <a:endParaRPr lang="en-US" altLang="zh-CN" dirty="0"/>
+          </a:p>
+          <a:p>
+            <a:pPr lvl="1"/>
+            <a:r>
+              <a:rPr lang="zh-CN" altLang="zh-CN" b="1" dirty="0"/>
+              <a:t>优点：</a:t>
+            </a:r>
+            <a:r>
+              <a:rPr lang="zh-CN" altLang="zh-CN" dirty="0"/>
+              <a:t>开发简单，资料较多。只需知道</a:t>
+            </a:r>
+            <a:r>
+              <a:rPr lang="en-US" altLang="zh-CN" dirty="0"/>
+              <a:t>AT</a:t>
+            </a:r>
+            <a:r>
+              <a:rPr lang="zh-CN" altLang="zh-CN" dirty="0"/>
+              <a:t>指令集，以及它的通信方式即可。 </a:t>
+            </a:r>
+          </a:p>
+          <a:p>
+            <a:pPr lvl="1"/>
+            <a:r>
+              <a:rPr lang="zh-CN" altLang="zh-CN" b="1" dirty="0"/>
+              <a:t>缺点：</a:t>
+            </a:r>
+            <a:r>
+              <a:rPr lang="zh-CN" altLang="zh-CN" dirty="0"/>
+              <a:t>浪费资源，需要</a:t>
+            </a:r>
+            <a:r>
+              <a:rPr lang="en-US" altLang="zh-CN" dirty="0"/>
+              <a:t>MCU</a:t>
+            </a:r>
+            <a:r>
+              <a:rPr lang="zh-CN" altLang="zh-CN" dirty="0"/>
+              <a:t>与其通信，不能独立完成某项功能。</a:t>
+            </a:r>
+          </a:p>
+          <a:p>
+            <a:pPr marL="457200" indent="-457200">
+              <a:buFont typeface="+mj-lt"/>
+              <a:buAutoNum type="arabicPeriod"/>
+            </a:pPr>
+            <a:r>
+              <a:rPr lang="en-US" altLang="zh-CN" b="1" dirty="0" err="1"/>
+              <a:t>NodeMCU</a:t>
+            </a:r>
+            <a:r>
+              <a:rPr lang="zh-CN" altLang="zh-CN" b="1" dirty="0"/>
+              <a:t>的</a:t>
+            </a:r>
+            <a:r>
+              <a:rPr lang="en-US" altLang="zh-CN" b="1" dirty="0" err="1"/>
+              <a:t>lua</a:t>
+            </a:r>
+            <a:r>
+              <a:rPr lang="zh-CN" altLang="en-US" b="1" dirty="0"/>
+              <a:t>：</a:t>
+            </a:r>
+            <a:r>
+              <a:rPr lang="zh-CN" altLang="zh-CN" dirty="0"/>
+              <a:t> 烧录</a:t>
+            </a:r>
+            <a:r>
+              <a:rPr lang="en-US" altLang="zh-CN" dirty="0" err="1"/>
+              <a:t>NodeMCU</a:t>
+            </a:r>
+            <a:r>
+              <a:rPr lang="zh-CN" altLang="zh-CN" dirty="0"/>
+              <a:t>的固件包，使用</a:t>
+            </a:r>
+            <a:r>
+              <a:rPr lang="en-US" altLang="zh-CN" dirty="0"/>
+              <a:t>Lua</a:t>
+            </a:r>
+            <a:r>
+              <a:rPr lang="zh-CN" altLang="zh-CN" dirty="0"/>
+              <a:t>语言开发，使用</a:t>
+            </a:r>
+            <a:r>
+              <a:rPr lang="en-US" altLang="zh-CN" dirty="0"/>
+              <a:t>ESP</a:t>
+            </a:r>
+            <a:r>
+              <a:rPr lang="zh-CN" altLang="zh-CN" dirty="0"/>
+              <a:t>内部资源</a:t>
+            </a:r>
+            <a:endParaRPr lang="en-US" altLang="zh-CN" dirty="0"/>
+          </a:p>
+          <a:p>
+            <a:pPr lvl="1"/>
+            <a:r>
+              <a:rPr lang="en-US" altLang="zh-CN" dirty="0" err="1"/>
+              <a:t>NodeMCU</a:t>
+            </a:r>
+            <a:r>
+              <a:rPr lang="zh-CN" altLang="zh-CN" dirty="0"/>
+              <a:t>本质也是</a:t>
+            </a:r>
+            <a:r>
+              <a:rPr lang="en-US" altLang="zh-CN" dirty="0"/>
+              <a:t>ESP8266</a:t>
+            </a:r>
+            <a:r>
+              <a:rPr lang="zh-CN" altLang="zh-CN" dirty="0"/>
+              <a:t>，只是它的固件是与</a:t>
+            </a:r>
+            <a:r>
+              <a:rPr lang="en-US" altLang="zh-CN" dirty="0" err="1"/>
+              <a:t>lua</a:t>
+            </a:r>
+            <a:r>
+              <a:rPr lang="zh-CN" altLang="zh-CN" dirty="0"/>
+              <a:t>脚本语言交互。</a:t>
+            </a:r>
+          </a:p>
+          <a:p>
+            <a:pPr lvl="1"/>
+            <a:r>
+              <a:rPr lang="zh-CN" altLang="zh-CN" b="1" dirty="0"/>
+              <a:t>优点：</a:t>
+            </a:r>
+            <a:r>
+              <a:rPr lang="zh-CN" altLang="zh-CN" dirty="0"/>
+              <a:t>节省资源，开发简单，代码量少。 </a:t>
+            </a:r>
+          </a:p>
+          <a:p>
+            <a:pPr lvl="1"/>
+            <a:r>
+              <a:rPr lang="zh-CN" altLang="zh-CN" b="1" dirty="0"/>
+              <a:t>缺点： </a:t>
+            </a:r>
+            <a:endParaRPr lang="zh-CN" altLang="zh-CN" dirty="0"/>
+          </a:p>
+          <a:p>
+            <a:pPr marL="1371600" lvl="2" indent="-457200">
+              <a:buFont typeface="+mj-lt"/>
+              <a:buAutoNum type="arabicPeriod"/>
+            </a:pPr>
+            <a:r>
+              <a:rPr lang="en-US" altLang="zh-CN" dirty="0" err="1"/>
+              <a:t>lua</a:t>
+            </a:r>
+            <a:r>
+              <a:rPr lang="zh-CN" altLang="zh-CN" dirty="0"/>
+              <a:t>解释器执行效率较低</a:t>
+            </a:r>
+            <a:endParaRPr lang="en-US" altLang="zh-CN" dirty="0"/>
+          </a:p>
+          <a:p>
+            <a:pPr marL="1371600" lvl="2" indent="-457200">
+              <a:buFont typeface="+mj-lt"/>
+              <a:buAutoNum type="arabicPeriod"/>
+            </a:pPr>
+            <a:r>
+              <a:rPr lang="zh-CN" altLang="zh-CN" dirty="0"/>
+              <a:t>前期准备比较麻烦。需要准备相应功能的固件，烧录进去，然后使用</a:t>
+            </a:r>
+            <a:r>
+              <a:rPr lang="en-US" altLang="zh-CN" dirty="0" err="1"/>
+              <a:t>lua</a:t>
+            </a:r>
+            <a:r>
+              <a:rPr lang="zh-CN" altLang="zh-CN" dirty="0"/>
+              <a:t>语言和工具与之调试。</a:t>
+            </a:r>
+          </a:p>
+          <a:p>
+            <a:pPr marL="457200" indent="-457200">
+              <a:buFont typeface="+mj-lt"/>
+              <a:buAutoNum type="arabicPeriod"/>
+            </a:pPr>
+            <a:r>
+              <a:rPr lang="en-US" altLang="zh-CN" b="1" dirty="0">
+                <a:solidFill>
+                  <a:srgbClr val="FF0000"/>
+                </a:solidFill>
+              </a:rPr>
+              <a:t>Arduino IDE</a:t>
+            </a:r>
+            <a:r>
+              <a:rPr lang="zh-CN" altLang="en-US" b="1" dirty="0"/>
+              <a:t>：</a:t>
+            </a:r>
+            <a:r>
+              <a:rPr lang="zh-CN" altLang="zh-CN" dirty="0"/>
+              <a:t>相当于直接编写固件，编译之后，烧录进</a:t>
+            </a:r>
+            <a:r>
+              <a:rPr lang="en-US" altLang="zh-CN" dirty="0"/>
+              <a:t>ESP</a:t>
+            </a:r>
+            <a:r>
+              <a:rPr lang="zh-CN" altLang="zh-CN" dirty="0"/>
+              <a:t>，使用</a:t>
+            </a:r>
+            <a:r>
+              <a:rPr lang="en-US" altLang="zh-CN" dirty="0"/>
+              <a:t>ESP</a:t>
+            </a:r>
+            <a:r>
+              <a:rPr lang="zh-CN" altLang="zh-CN" dirty="0"/>
+              <a:t>内部资源</a:t>
+            </a:r>
+            <a:endParaRPr lang="en-US" altLang="zh-CN" dirty="0"/>
+          </a:p>
+          <a:p>
+            <a:pPr lvl="1"/>
+            <a:r>
+              <a:rPr lang="zh-CN" altLang="zh-CN" b="1" dirty="0"/>
+              <a:t>优点：</a:t>
+            </a:r>
+            <a:r>
+              <a:rPr lang="zh-CN" altLang="zh-CN" dirty="0"/>
+              <a:t>集编程和烧录一体，使用很方便。语言执行效率高，节省资源，开发简单，该有的库也都有。</a:t>
+            </a:r>
+          </a:p>
+          <a:p>
+            <a:pPr lvl="1"/>
+            <a:r>
+              <a:rPr lang="zh-CN" altLang="zh-CN" b="1" dirty="0"/>
+              <a:t>缺点：</a:t>
+            </a:r>
+            <a:r>
+              <a:rPr lang="en-US" altLang="zh-CN" dirty="0"/>
+              <a:t>Arduino IDE</a:t>
+            </a:r>
+            <a:r>
+              <a:rPr lang="zh-CN" altLang="en-US" dirty="0"/>
+              <a:t>简陋，不方便调试和阅读代码</a:t>
+            </a:r>
+          </a:p>
+        </p:txBody>
+      </p:sp>
+    </p:spTree>
+    <p:extLst>
+      <p:ext uri="{BB962C8B-B14F-4D97-AF65-F5344CB8AC3E}">
+        <p14:creationId xmlns:p14="http://schemas.microsoft.com/office/powerpoint/2010/main" val="1628985424"/>
+      </p:ext>
+    </p:extLst>
+  </p:cSld>
+  <p:clrMapOvr>
+    <a:masterClrMapping/>
+  </p:clrMapOvr>
+  <mc:AlternateContent xmlns:mc="http://schemas.openxmlformats.org/markup-compatibility/2006" xmlns:p14="http://schemas.microsoft.com/office/powerpoint/2010/main">
+    <mc:Choice Requires="p14">
+      <p:transition spd="slow" p14:dur="1250">
+        <p:push dir="u"/>
+      </p:transition>
+    </mc:Choice>
+    <mc:Fallback xmlns="">
+      <p:transition spd="slow">
+        <p:push dir="u"/>
+      </p:transition>
+    </mc:Fallback>
+  </mc:AlternateContent>
+</p:sld>
+</file>
+
+<file path=ppt/slides/slide8.xml><?xml version="1.0" encoding="utf-8"?>
+<p:sld xmlns:a="http://schemas.openxmlformats.org/drawingml/2006/main" xmlns:r="http://schemas.openxmlformats.org/officeDocument/2006/relationships" xmlns:p="http://schemas.openxmlformats.org/presentationml/2006/main">
+  <p:cSld>
+    <p:spTree>
+      <p:nvGrpSpPr>
+        <p:cNvPr id="1" name=""/>
+        <p:cNvGrpSpPr/>
+        <p:nvPr/>
+      </p:nvGrpSpPr>
+      <p:grpSpPr>
+        <a:xfrm>
+          <a:off x="0" y="0"/>
+          <a:ext cx="0" cy="0"/>
+          <a:chOff x="0" y="0"/>
+          <a:chExt cx="0" cy="0"/>
+        </a:xfrm>
+      </p:grpSpPr>
+      <p:sp>
+        <p:nvSpPr>
+          <p:cNvPr id="2" name="标题 1">
+            <a:extLst>
+              <a:ext uri="{FF2B5EF4-FFF2-40B4-BE49-F238E27FC236}">
                 <a16:creationId xmlns:a16="http://schemas.microsoft.com/office/drawing/2014/main" id="{11FDEEB1-6973-4079-B52D-CB1A9DF5AC7E}"/>
               </a:ext>
             </a:extLst>
@@ -8322,7 +9546,7 @@
 </p:sld>
 </file>
 
-<file path=ppt/slides/slide8.xml><?xml version="1.0" encoding="utf-8"?>
+<file path=ppt/slides/slide9.xml><?xml version="1.0" encoding="utf-8"?>
 <p:sld xmlns:a="http://schemas.openxmlformats.org/drawingml/2006/main" xmlns:r="http://schemas.openxmlformats.org/officeDocument/2006/relationships" xmlns:p="http://schemas.openxmlformats.org/presentationml/2006/main">
   <p:cSld>
     <p:spTree>
@@ -8430,274 +9654,6 @@
     <p:extLst>
       <p:ext uri="{BB962C8B-B14F-4D97-AF65-F5344CB8AC3E}">
         <p14:creationId xmlns:p14="http://schemas.microsoft.com/office/powerpoint/2010/main" val="97472683"/>
-      </p:ext>
-    </p:extLst>
-  </p:cSld>
-  <p:clrMapOvr>
-    <a:masterClrMapping/>
-  </p:clrMapOvr>
-  <mc:AlternateContent xmlns:mc="http://schemas.openxmlformats.org/markup-compatibility/2006" xmlns:p14="http://schemas.microsoft.com/office/powerpoint/2010/main">
-    <mc:Choice Requires="p14">
-      <p:transition spd="slow" p14:dur="1250">
-        <p:push dir="u"/>
-      </p:transition>
-    </mc:Choice>
-    <mc:Fallback xmlns="">
-      <p:transition spd="slow">
-        <p:push dir="u"/>
-      </p:transition>
-    </mc:Fallback>
-  </mc:AlternateContent>
-</p:sld>
-</file>
-
-<file path=ppt/slides/slide9.xml><?xml version="1.0" encoding="utf-8"?>
-<p:sld xmlns:a="http://schemas.openxmlformats.org/drawingml/2006/main" xmlns:r="http://schemas.openxmlformats.org/officeDocument/2006/relationships" xmlns:p="http://schemas.openxmlformats.org/presentationml/2006/main">
-  <p:cSld>
-    <p:spTree>
-      <p:nvGrpSpPr>
-        <p:cNvPr id="1" name=""/>
-        <p:cNvGrpSpPr/>
-        <p:nvPr/>
-      </p:nvGrpSpPr>
-      <p:grpSpPr>
-        <a:xfrm>
-          <a:off x="0" y="0"/>
-          <a:ext cx="0" cy="0"/>
-          <a:chOff x="0" y="0"/>
-          <a:chExt cx="0" cy="0"/>
-        </a:xfrm>
-      </p:grpSpPr>
-      <p:sp>
-        <p:nvSpPr>
-          <p:cNvPr id="2" name="标题 1">
-            <a:extLst>
-              <a:ext uri="{FF2B5EF4-FFF2-40B4-BE49-F238E27FC236}">
-                <a16:creationId xmlns:a16="http://schemas.microsoft.com/office/drawing/2014/main" id="{C35C657F-1982-4825-8FF8-E3AA7E031B76}"/>
-              </a:ext>
-            </a:extLst>
-          </p:cNvPr>
-          <p:cNvSpPr>
-            <a:spLocks noGrp="1"/>
-          </p:cNvSpPr>
-          <p:nvPr>
-            <p:ph type="title"/>
-          </p:nvPr>
-        </p:nvSpPr>
-        <p:spPr/>
-        <p:txBody>
-          <a:bodyPr/>
-          <a:lstStyle/>
-          <a:p>
-            <a:r>
-              <a:rPr lang="en-US" altLang="zh-CN" dirty="0"/>
-              <a:t>ESP8266 Arduino</a:t>
-            </a:r>
-            <a:r>
-              <a:rPr lang="zh-CN" altLang="en-US" dirty="0"/>
-              <a:t>环境配置</a:t>
-            </a:r>
-          </a:p>
-        </p:txBody>
-      </p:sp>
-      <p:sp>
-        <p:nvSpPr>
-          <p:cNvPr id="3" name="内容占位符 2">
-            <a:extLst>
-              <a:ext uri="{FF2B5EF4-FFF2-40B4-BE49-F238E27FC236}">
-                <a16:creationId xmlns:a16="http://schemas.microsoft.com/office/drawing/2014/main" id="{A23F539B-0D73-460A-AB9A-D998E1646E3C}"/>
-              </a:ext>
-            </a:extLst>
-          </p:cNvPr>
-          <p:cNvSpPr>
-            <a:spLocks noGrp="1"/>
-          </p:cNvSpPr>
-          <p:nvPr>
-            <p:ph idx="1"/>
-          </p:nvPr>
-        </p:nvSpPr>
-        <p:spPr/>
-        <p:txBody>
-          <a:bodyPr/>
-          <a:lstStyle/>
-          <a:p>
-            <a:pPr marL="457200" indent="-457200">
-              <a:buFont typeface="+mj-lt"/>
-              <a:buAutoNum type="arabicPeriod"/>
-            </a:pPr>
-            <a:r>
-              <a:rPr lang="zh-CN" altLang="en-US" dirty="0"/>
-              <a:t>打开</a:t>
-            </a:r>
-            <a:r>
-              <a:rPr lang="en-US" altLang="zh-CN" dirty="0"/>
-              <a:t>Arduino IDE</a:t>
-            </a:r>
-            <a:r>
-              <a:rPr lang="zh-CN" altLang="en-US" dirty="0"/>
-              <a:t>，找到“文件</a:t>
-            </a:r>
-            <a:r>
-              <a:rPr lang="en-US" altLang="zh-CN" dirty="0"/>
-              <a:t>-&gt;</a:t>
-            </a:r>
-            <a:r>
-              <a:rPr lang="zh-CN" altLang="en-US" dirty="0"/>
-              <a:t>首选项</a:t>
-            </a:r>
-            <a:r>
-              <a:rPr lang="en-US" altLang="zh-CN" dirty="0"/>
-              <a:t>-&gt;</a:t>
-            </a:r>
-            <a:r>
-              <a:rPr lang="zh-CN" altLang="en-US" dirty="0"/>
-              <a:t>附加开发板管理器网址”。</a:t>
-            </a:r>
-            <a:endParaRPr lang="en-US" altLang="zh-CN" dirty="0"/>
-          </a:p>
-          <a:p>
-            <a:pPr marL="457200" indent="-457200">
-              <a:buFont typeface="+mj-lt"/>
-              <a:buAutoNum type="arabicPeriod"/>
-            </a:pPr>
-            <a:r>
-              <a:rPr lang="zh-CN" altLang="en-US" dirty="0"/>
-              <a:t>增加</a:t>
-            </a:r>
-            <a:r>
-              <a:rPr lang="en-US" altLang="zh-CN" dirty="0"/>
-              <a:t>ESP8266</a:t>
-            </a:r>
-            <a:r>
-              <a:rPr lang="zh-CN" altLang="en-US" dirty="0"/>
-              <a:t>的网址：</a:t>
-            </a:r>
-            <a:r>
-              <a:rPr lang="en-US" altLang="zh-CN" dirty="0"/>
-              <a:t> </a:t>
-            </a:r>
-            <a:r>
-              <a:rPr lang="en-US" altLang="zh-CN" dirty="0">
-                <a:hlinkClick r:id="rId2"/>
-              </a:rPr>
-              <a:t>https://arduino.esp8266.com/stable/package_esp8266com_index.json</a:t>
-            </a:r>
-            <a:endParaRPr lang="en-US" altLang="zh-CN" dirty="0"/>
-          </a:p>
-          <a:p>
-            <a:pPr marL="457200" indent="-457200">
-              <a:buFont typeface="+mj-lt"/>
-              <a:buAutoNum type="arabicPeriod"/>
-            </a:pPr>
-            <a:r>
-              <a:rPr lang="zh-CN" altLang="en-US" dirty="0"/>
-              <a:t>找到“工具</a:t>
-            </a:r>
-            <a:r>
-              <a:rPr lang="en-US" altLang="zh-CN" dirty="0"/>
-              <a:t>-&gt;</a:t>
-            </a:r>
-            <a:r>
-              <a:rPr lang="zh-CN" altLang="en-US" dirty="0"/>
-              <a:t>开发板</a:t>
-            </a:r>
-            <a:r>
-              <a:rPr lang="en-US" altLang="zh-CN" dirty="0"/>
-              <a:t>-&gt;</a:t>
-            </a:r>
-            <a:r>
-              <a:rPr lang="zh-CN" altLang="en-US" dirty="0"/>
-              <a:t>开发板管理器”，搜索</a:t>
-            </a:r>
-            <a:r>
-              <a:rPr lang="en-US" altLang="zh-CN" dirty="0"/>
-              <a:t>esp8266</a:t>
-            </a:r>
-            <a:r>
-              <a:rPr lang="zh-CN" altLang="en-US" dirty="0"/>
-              <a:t>并安装。</a:t>
-            </a:r>
-            <a:endParaRPr lang="en-US" altLang="zh-CN" dirty="0"/>
-          </a:p>
-          <a:p>
-            <a:pPr marL="457200" indent="-457200">
-              <a:buFont typeface="+mj-lt"/>
-              <a:buAutoNum type="arabicPeriod"/>
-            </a:pPr>
-            <a:r>
-              <a:rPr lang="zh-CN" altLang="en-US" dirty="0"/>
-              <a:t>在“工具</a:t>
-            </a:r>
-            <a:r>
-              <a:rPr lang="en-US" altLang="zh-CN" dirty="0"/>
-              <a:t>-&gt;</a:t>
-            </a:r>
-            <a:r>
-              <a:rPr lang="zh-CN" altLang="en-US" dirty="0"/>
-              <a:t>开发板”，我们可以看到刚刚安装的“</a:t>
-            </a:r>
-            <a:r>
-              <a:rPr lang="en-US" altLang="zh-CN" dirty="0"/>
-              <a:t>esp8266 boards</a:t>
-            </a:r>
-            <a:r>
-              <a:rPr lang="zh-CN" altLang="en-US" dirty="0"/>
-              <a:t>”。</a:t>
-            </a:r>
-            <a:endParaRPr lang="en-US" altLang="zh-CN" dirty="0"/>
-          </a:p>
-          <a:p>
-            <a:pPr marL="457200" indent="-457200">
-              <a:buFont typeface="+mj-lt"/>
-              <a:buAutoNum type="arabicPeriod"/>
-            </a:pPr>
-            <a:r>
-              <a:rPr lang="zh-CN" altLang="en-US" dirty="0"/>
-              <a:t>开发</a:t>
-            </a:r>
-            <a:r>
-              <a:rPr lang="en-US" altLang="zh-CN" dirty="0"/>
-              <a:t>ESP8266</a:t>
-            </a:r>
-            <a:r>
-              <a:rPr lang="zh-CN" altLang="en-US" dirty="0"/>
-              <a:t>，选择“</a:t>
-            </a:r>
-            <a:r>
-              <a:rPr lang="en-US" altLang="zh-CN" dirty="0"/>
-              <a:t>Generic ESP8266 Module</a:t>
-            </a:r>
-            <a:r>
-              <a:rPr lang="zh-CN" altLang="en-US" dirty="0"/>
-              <a:t>”。开发</a:t>
-            </a:r>
-            <a:r>
-              <a:rPr lang="en-US" altLang="zh-CN" dirty="0" err="1"/>
-              <a:t>NodeMCU</a:t>
-            </a:r>
-            <a:r>
-              <a:rPr lang="zh-CN" altLang="en-US" dirty="0"/>
-              <a:t>，选择“</a:t>
-            </a:r>
-            <a:r>
-              <a:rPr lang="en-US" altLang="zh-CN" dirty="0" err="1"/>
-              <a:t>NodeMCU</a:t>
-            </a:r>
-            <a:r>
-              <a:rPr lang="en-US" altLang="zh-CN" dirty="0"/>
-              <a:t> 1.0 (ESP-12E Module)</a:t>
-            </a:r>
-            <a:r>
-              <a:rPr lang="zh-CN" altLang="en-US" dirty="0"/>
-              <a:t>”。</a:t>
-            </a:r>
-          </a:p>
-        </p:txBody>
-      </p:sp>
-    </p:spTree>
-    <p:extLst>
-      <p:ext uri="{BB962C8B-B14F-4D97-AF65-F5344CB8AC3E}">
-        <p14:creationId xmlns:p14="http://schemas.microsoft.com/office/powerpoint/2010/main" val="2766987075"/>
       </p:ext>
     </p:extLst>
   </p:cSld>

--- a/0/0.pptx
+++ b/0/0.pptx
@@ -642,7 +642,7 @@
           <a:p>
             <a:fld id="{530820CF-B880-4189-942D-D702A7CBA730}" type="datetimeFigureOut">
               <a:rPr lang="zh-CN" altLang="en-US" smtClean="0"/>
-              <a:t>2021/7/11</a:t>
+              <a:t>2021/7/13</a:t>
             </a:fld>
             <a:endParaRPr lang="zh-CN" altLang="en-US"/>
           </a:p>
@@ -1041,7 +1041,7 @@
           <a:p>
             <a:fld id="{530820CF-B880-4189-942D-D702A7CBA730}" type="datetimeFigureOut">
               <a:rPr lang="zh-CN" altLang="en-US" smtClean="0"/>
-              <a:t>2021/7/11</a:t>
+              <a:t>2021/7/13</a:t>
             </a:fld>
             <a:endParaRPr lang="zh-CN" altLang="en-US"/>
           </a:p>
@@ -1301,7 +1301,7 @@
           <a:p>
             <a:fld id="{530820CF-B880-4189-942D-D702A7CBA730}" type="datetimeFigureOut">
               <a:rPr lang="zh-CN" altLang="en-US" smtClean="0"/>
-              <a:t>2021/7/11</a:t>
+              <a:t>2021/7/13</a:t>
             </a:fld>
             <a:endParaRPr lang="zh-CN" altLang="en-US"/>
           </a:p>
@@ -1853,7 +1853,7 @@
           <a:p>
             <a:fld id="{530820CF-B880-4189-942D-D702A7CBA730}" type="datetimeFigureOut">
               <a:rPr lang="zh-CN" altLang="en-US" smtClean="0"/>
-              <a:t>2021/7/11</a:t>
+              <a:t>2021/7/13</a:t>
             </a:fld>
             <a:endParaRPr lang="zh-CN" altLang="en-US"/>
           </a:p>
@@ -2113,7 +2113,7 @@
           <a:p>
             <a:fld id="{530820CF-B880-4189-942D-D702A7CBA730}" type="datetimeFigureOut">
               <a:rPr lang="zh-CN" altLang="en-US" smtClean="0"/>
-              <a:t>2021/7/11</a:t>
+              <a:t>2021/7/13</a:t>
             </a:fld>
             <a:endParaRPr lang="zh-CN" altLang="en-US"/>
           </a:p>
@@ -2657,7 +2657,7 @@
           <a:p>
             <a:fld id="{530820CF-B880-4189-942D-D702A7CBA730}" type="datetimeFigureOut">
               <a:rPr lang="zh-CN" altLang="en-US" smtClean="0"/>
-              <a:t>2021/7/11</a:t>
+              <a:t>2021/7/13</a:t>
             </a:fld>
             <a:endParaRPr lang="zh-CN" altLang="en-US"/>
           </a:p>
@@ -2966,7 +2966,7 @@
           <a:p>
             <a:fld id="{530820CF-B880-4189-942D-D702A7CBA730}" type="datetimeFigureOut">
               <a:rPr lang="zh-CN" altLang="en-US" smtClean="0"/>
-              <a:t>2021/7/11</a:t>
+              <a:t>2021/7/13</a:t>
             </a:fld>
             <a:endParaRPr lang="zh-CN" altLang="en-US"/>
           </a:p>
@@ -3152,7 +3152,7 @@
           <a:p>
             <a:fld id="{530820CF-B880-4189-942D-D702A7CBA730}" type="datetimeFigureOut">
               <a:rPr lang="zh-CN" altLang="en-US" smtClean="0"/>
-              <a:t>2021/7/11</a:t>
+              <a:t>2021/7/13</a:t>
             </a:fld>
             <a:endParaRPr lang="zh-CN" altLang="en-US"/>
           </a:p>
@@ -3344,7 +3344,7 @@
           <a:p>
             <a:fld id="{530820CF-B880-4189-942D-D702A7CBA730}" type="datetimeFigureOut">
               <a:rPr lang="zh-CN" altLang="en-US" smtClean="0"/>
-              <a:t>2021/7/11</a:t>
+              <a:t>2021/7/13</a:t>
             </a:fld>
             <a:endParaRPr lang="zh-CN" altLang="en-US"/>
           </a:p>
@@ -3541,7 +3541,7 @@
           <a:p>
             <a:fld id="{530820CF-B880-4189-942D-D702A7CBA730}" type="datetimeFigureOut">
               <a:rPr lang="zh-CN" altLang="en-US" smtClean="0"/>
-              <a:t>2021/7/11</a:t>
+              <a:t>2021/7/13</a:t>
             </a:fld>
             <a:endParaRPr lang="zh-CN" altLang="en-US"/>
           </a:p>
@@ -3809,7 +3809,7 @@
           <a:p>
             <a:fld id="{530820CF-B880-4189-942D-D702A7CBA730}" type="datetimeFigureOut">
               <a:rPr lang="zh-CN" altLang="en-US" smtClean="0"/>
-              <a:t>2021/7/11</a:t>
+              <a:t>2021/7/13</a:t>
             </a:fld>
             <a:endParaRPr lang="zh-CN" altLang="en-US"/>
           </a:p>
@@ -4123,7 +4123,7 @@
           <a:p>
             <a:fld id="{530820CF-B880-4189-942D-D702A7CBA730}" type="datetimeFigureOut">
               <a:rPr lang="zh-CN" altLang="en-US" smtClean="0"/>
-              <a:t>2021/7/11</a:t>
+              <a:t>2021/7/13</a:t>
             </a:fld>
             <a:endParaRPr lang="zh-CN" altLang="en-US"/>
           </a:p>
@@ -4577,7 +4577,7 @@
           <a:p>
             <a:fld id="{530820CF-B880-4189-942D-D702A7CBA730}" type="datetimeFigureOut">
               <a:rPr lang="zh-CN" altLang="en-US" smtClean="0"/>
-              <a:t>2021/7/11</a:t>
+              <a:t>2021/7/13</a:t>
             </a:fld>
             <a:endParaRPr lang="zh-CN" altLang="en-US"/>
           </a:p>
@@ -4707,7 +4707,7 @@
           <a:p>
             <a:fld id="{530820CF-B880-4189-942D-D702A7CBA730}" type="datetimeFigureOut">
               <a:rPr lang="zh-CN" altLang="en-US" smtClean="0"/>
-              <a:t>2021/7/11</a:t>
+              <a:t>2021/7/13</a:t>
             </a:fld>
             <a:endParaRPr lang="zh-CN" altLang="en-US"/>
           </a:p>
@@ -4814,7 +4814,7 @@
           <a:p>
             <a:fld id="{530820CF-B880-4189-942D-D702A7CBA730}" type="datetimeFigureOut">
               <a:rPr lang="zh-CN" altLang="en-US" smtClean="0"/>
-              <a:t>2021/7/11</a:t>
+              <a:t>2021/7/13</a:t>
             </a:fld>
             <a:endParaRPr lang="zh-CN" altLang="en-US"/>
           </a:p>
@@ -5109,7 +5109,7 @@
           <a:p>
             <a:fld id="{530820CF-B880-4189-942D-D702A7CBA730}" type="datetimeFigureOut">
               <a:rPr lang="zh-CN" altLang="en-US" smtClean="0"/>
-              <a:t>2021/7/11</a:t>
+              <a:t>2021/7/13</a:t>
             </a:fld>
             <a:endParaRPr lang="zh-CN" altLang="en-US"/>
           </a:p>
@@ -5412,7 +5412,7 @@
           <a:p>
             <a:fld id="{530820CF-B880-4189-942D-D702A7CBA730}" type="datetimeFigureOut">
               <a:rPr lang="zh-CN" altLang="en-US" smtClean="0"/>
-              <a:t>2021/7/11</a:t>
+              <a:t>2021/7/13</a:t>
             </a:fld>
             <a:endParaRPr lang="zh-CN" altLang="en-US"/>
           </a:p>
@@ -5948,7 +5948,7 @@
           <a:p>
             <a:fld id="{530820CF-B880-4189-942D-D702A7CBA730}" type="datetimeFigureOut">
               <a:rPr lang="zh-CN" altLang="en-US" smtClean="0"/>
-              <a:t>2021/7/11</a:t>
+              <a:t>2021/7/13</a:t>
             </a:fld>
             <a:endParaRPr lang="zh-CN" altLang="en-US"/>
           </a:p>
@@ -9448,8 +9448,8 @@
               <a:t>若是</a:t>
             </a:r>
             <a:r>
-              <a:rPr lang="en-US" altLang="zh-CN" dirty="0"/>
-              <a:t>ESP2866</a:t>
+              <a:rPr lang="en-US" altLang="zh-CN"/>
+              <a:t>ESP8266</a:t>
             </a:r>
             <a:r>
               <a:rPr lang="zh-CN" altLang="en-US" dirty="0"/>
